--- a/DASH_visualizations/DASH Visualizations.pptx
+++ b/DASH_visualizations/DASH Visualizations.pptx
@@ -1805,7 +1805,7 @@
             </a:pPr>
             <a:r>
               <a:rPr lang="en-US"/>
-              <a:t>Hellerstein &amp; Herman, Gao 2019</a:t>
+              <a:t>Hellerstein, Herman, Gao 2019</a:t>
             </a:r>
           </a:p>
         </p:txBody>
@@ -2315,7 +2315,7 @@
             </a:pPr>
             <a:r>
               <a:rPr lang="en-US"/>
-              <a:t>Hellerstein &amp; Herman, Gao 2019</a:t>
+              <a:t>Hellerstein, Herman, Gao 2019</a:t>
             </a:r>
           </a:p>
         </p:txBody>
@@ -2825,7 +2825,7 @@
             </a:pPr>
             <a:r>
               <a:rPr lang="en-US"/>
-              <a:t>Hellerstein &amp; Herman, Gao 2019</a:t>
+              <a:t>Hellerstein, Herman, Gao 2019</a:t>
             </a:r>
           </a:p>
         </p:txBody>
@@ -3016,7 +3016,7 @@
             </a:pPr>
             <a:r>
               <a:rPr lang="en-US"/>
-              <a:t>Hellerstein &amp; Herman, Gao 2019</a:t>
+              <a:t>Hellerstein, Herman, Gao 2019</a:t>
             </a:r>
           </a:p>
         </p:txBody>
@@ -3201,7 +3201,7 @@
             </a:pPr>
             <a:r>
               <a:rPr lang="en-US"/>
-              <a:t>Hellerstein &amp; Herman, Gao 2019</a:t>
+              <a:t>Hellerstein, Herman, Gao 2019</a:t>
             </a:r>
           </a:p>
         </p:txBody>
@@ -3399,7 +3399,7 @@
             </a:pPr>
             <a:r>
               <a:rPr lang="en-US"/>
-              <a:t>Hellerstein &amp; Herman, Gao 2019</a:t>
+              <a:t>Hellerstein, Herman, Gao 2019</a:t>
             </a:r>
           </a:p>
         </p:txBody>
@@ -3699,7 +3699,7 @@
             </a:pPr>
             <a:r>
               <a:rPr lang="en-US"/>
-              <a:t>Hellerstein &amp; Herman, Gao 2019</a:t>
+              <a:t>Hellerstein, Herman, Gao 2019</a:t>
             </a:r>
           </a:p>
         </p:txBody>
@@ -4139,7 +4139,7 @@
             </a:pPr>
             <a:r>
               <a:rPr lang="en-US"/>
-              <a:t>Hellerstein &amp; Herman, Gao 2019</a:t>
+              <a:t>Hellerstein, Herman, Gao 2019</a:t>
             </a:r>
           </a:p>
         </p:txBody>
@@ -4265,7 +4265,7 @@
             </a:pPr>
             <a:r>
               <a:rPr lang="en-US"/>
-              <a:t>Hellerstein &amp; Herman, Gao 2019</a:t>
+              <a:t>Hellerstein, Herman, Gao 2019</a:t>
             </a:r>
           </a:p>
         </p:txBody>
@@ -4361,7 +4361,7 @@
             </a:pPr>
             <a:r>
               <a:rPr lang="en-US"/>
-              <a:t>Hellerstein &amp; Herman, Gao 2019</a:t>
+              <a:t>Hellerstein, Herman, Gao 2019</a:t>
             </a:r>
           </a:p>
         </p:txBody>
@@ -4646,7 +4646,7 @@
             </a:pPr>
             <a:r>
               <a:rPr lang="en-US"/>
-              <a:t>Hellerstein &amp; Herman, Gao 2019</a:t>
+              <a:t>Hellerstein, Herman, Gao 2019</a:t>
             </a:r>
           </a:p>
         </p:txBody>
@@ -5158,7 +5158,7 @@
             </a:pPr>
             <a:r>
               <a:rPr lang="en-US"/>
-              <a:t>Hellerstein &amp; Herman, Gao 2019</a:t>
+              <a:t>Hellerstein, Herman, Gao 2019</a:t>
             </a:r>
           </a:p>
         </p:txBody>
@@ -5419,7 +5419,7 @@
             </a:pPr>
             <a:r>
               <a:rPr lang="en-US"/>
-              <a:t>Hellerstein &amp; Herman, Gao 2019</a:t>
+              <a:t>Hellerstein, Herman, Gao 2019</a:t>
             </a:r>
           </a:p>
         </p:txBody>
@@ -5604,7 +5604,7 @@
             </a:pPr>
             <a:r>
               <a:rPr lang="en-US"/>
-              <a:t>Hellerstein &amp; Herman, Gao 2019</a:t>
+              <a:t>Hellerstein, Herman, Gao 2019</a:t>
             </a:r>
           </a:p>
         </p:txBody>
@@ -5789,7 +5789,7 @@
             </a:pPr>
             <a:r>
               <a:rPr lang="en-US"/>
-              <a:t>Hellerstein &amp; Herman, Gao 2019</a:t>
+              <a:t>Hellerstein, Herman, Gao 2019</a:t>
             </a:r>
           </a:p>
         </p:txBody>
@@ -6314,7 +6314,7 @@
             </a:pPr>
             <a:r>
               <a:rPr lang="en-US"/>
-              <a:t>Hellerstein &amp; Herman, Gao 2019</a:t>
+              <a:t>Hellerstein, Herman, Gao 2019</a:t>
             </a:r>
           </a:p>
         </p:txBody>
@@ -6939,7 +6939,7 @@
             </a:pPr>
             <a:r>
               <a:rPr lang="en-US"/>
-              <a:t>Hellerstein &amp; Herman, Gao 2019</a:t>
+              <a:t>Hellerstein, Herman, Gao 2019</a:t>
             </a:r>
           </a:p>
         </p:txBody>
@@ -7704,7 +7704,7 @@
             </a:pPr>
             <a:r>
               <a:rPr lang="en-US"/>
-              <a:t>Hellerstein &amp; Herman, Gao 2019</a:t>
+              <a:t>Hellerstein, Herman, Gao 2019</a:t>
             </a:r>
           </a:p>
         </p:txBody>
@@ -8155,7 +8155,7 @@
             </a:pPr>
             <a:r>
               <a:rPr lang="en-US"/>
-              <a:t>Hellerstein &amp; Herman, Gao 2019</a:t>
+              <a:t>Hellerstein, Herman, Gao 2019</a:t>
             </a:r>
           </a:p>
         </p:txBody>
@@ -8576,7 +8576,7 @@
             </a:pPr>
             <a:r>
               <a:rPr lang="en-US"/>
-              <a:t>Hellerstein &amp; Herman, Gao 2019</a:t>
+              <a:t>Hellerstein, Herman, Gao 2019</a:t>
             </a:r>
           </a:p>
         </p:txBody>
@@ -9191,7 +9191,7 @@
             </a:pPr>
             <a:r>
               <a:rPr lang="en-US"/>
-              <a:t>Hellerstein &amp; Herman, Gao 2019</a:t>
+              <a:t>Hellerstein, Herman, Gao 2019</a:t>
             </a:r>
           </a:p>
         </p:txBody>
@@ -9779,7 +9779,7 @@
             </a:pPr>
             <a:r>
               <a:rPr lang="en-US"/>
-              <a:t>Hellerstein &amp; Herman, Gao 2019</a:t>
+              <a:t>Hellerstein, Herman, Gao 2019</a:t>
             </a:r>
           </a:p>
         </p:txBody>
@@ -9936,7 +9936,7 @@
             </a:pPr>
             <a:r>
               <a:rPr lang="en-US"/>
-              <a:t>Hellerstein &amp; Herman, Gao 2019</a:t>
+              <a:t>Hellerstein, Herman, Gao 2019</a:t>
             </a:r>
           </a:p>
         </p:txBody>
@@ -11694,7 +11694,7 @@
             </a:pPr>
             <a:r>
               <a:rPr lang="en-US"/>
-              <a:t>Hellerstein &amp; Herman, Gao 2019</a:t>
+              <a:t>Hellerstein, Herman, Gao 2019</a:t>
             </a:r>
           </a:p>
         </p:txBody>
@@ -13664,7 +13664,7 @@
             </a:pPr>
             <a:r>
               <a:rPr lang="en-US"/>
-              <a:t>Hellerstein &amp; Herman, Gao 2019</a:t>
+              <a:t>Hellerstein, Herman, Gao 2019</a:t>
             </a:r>
           </a:p>
         </p:txBody>
@@ -13759,6 +13759,34 @@
       </p:grpSpPr>
       <p:sp>
         <p:nvSpPr>
+          <p:cNvPr id="8" name="Title 7">
+            <a:extLst>
+              <a:ext uri="{FF2B5EF4-FFF2-40B4-BE49-F238E27FC236}">
+                <a16:creationId xmlns:a16="http://schemas.microsoft.com/office/drawing/2014/main" id="{6CFCD9A5-D867-A745-B9A1-3945DA47AA3A}"/>
+              </a:ext>
+            </a:extLst>
+          </p:cNvPr>
+          <p:cNvSpPr>
+            <a:spLocks noGrp="1"/>
+          </p:cNvSpPr>
+          <p:nvPr>
+            <p:ph type="title"/>
+          </p:nvPr>
+        </p:nvSpPr>
+        <p:spPr/>
+        <p:txBody>
+          <a:bodyPr/>
+          <a:lstStyle/>
+          <a:p>
+            <a:r>
+              <a:rPr lang="en-US" dirty="0"/>
+              <a:t>Cool Visualization Using Python Dash</a:t>
+            </a:r>
+          </a:p>
+        </p:txBody>
+      </p:sp>
+      <p:sp>
+        <p:nvSpPr>
           <p:cNvPr id="4" name="Footer Placeholder 3">
             <a:extLst>
               <a:ext uri="{FF2B5EF4-FFF2-40B4-BE49-F238E27FC236}">
@@ -13783,7 +13811,7 @@
             </a:pPr>
             <a:r>
               <a:rPr lang="en-US"/>
-              <a:t>Hellerstein &amp; Herman, Gao 2019</a:t>
+              <a:t>Hellerstein, Herman, Gao 2019</a:t>
             </a:r>
           </a:p>
         </p:txBody>
@@ -13845,8 +13873,8 @@
         </p:blipFill>
         <p:spPr>
           <a:xfrm>
-            <a:off x="301657" y="703262"/>
-            <a:ext cx="8540686" cy="5083498"/>
+            <a:off x="457200" y="1219200"/>
+            <a:ext cx="7927943" cy="4718788"/>
           </a:xfrm>
           <a:prstGeom prst="rect">
             <a:avLst/>
@@ -13948,7 +13976,7 @@
             </a:pPr>
             <a:r>
               <a:rPr lang="en-US" dirty="0"/>
-              <a:t>DASH architecture and example</a:t>
+              <a:t>Dash architecture and example</a:t>
             </a:r>
           </a:p>
           <a:p>
@@ -13979,6 +14007,16 @@
             <a:r>
               <a:rPr lang="en-US" dirty="0"/>
               <a:t>Maps</a:t>
+            </a:r>
+          </a:p>
+          <a:p>
+            <a:pPr marL="457200" indent="-457200">
+              <a:buFont typeface="Arial" panose="020B0604020202020204" pitchFamily="34" charset="0"/>
+              <a:buChar char="•"/>
+            </a:pPr>
+            <a:r>
+              <a:rPr lang="en-US" dirty="0"/>
+              <a:t>Testing</a:t>
             </a:r>
           </a:p>
         </p:txBody>
@@ -14009,7 +14047,7 @@
             </a:pPr>
             <a:r>
               <a:rPr lang="en-US"/>
-              <a:t>Hellerstein &amp; Herman, Gao 2019</a:t>
+              <a:t>Hellerstein, Herman, Gao 2019</a:t>
             </a:r>
           </a:p>
         </p:txBody>
@@ -14215,7 +14253,7 @@
             </a:pPr>
             <a:r>
               <a:rPr lang="en-US"/>
-              <a:t>Hellerstein &amp; Herman, Gao 2019</a:t>
+              <a:t>Hellerstein, Herman, Gao 2019</a:t>
             </a:r>
           </a:p>
         </p:txBody>
@@ -14367,7 +14405,7 @@
             </a:pPr>
             <a:r>
               <a:rPr lang="en-US"/>
-              <a:t>Hellerstein &amp; Herman, Gao 2019</a:t>
+              <a:t>Hellerstein, Herman, Gao 2019</a:t>
             </a:r>
           </a:p>
         </p:txBody>
@@ -14460,8 +14498,13 @@
           <a:p>
             <a:r>
               <a:rPr lang="en-US" dirty="0"/>
-              <a:t>Python Dash</a:t>
-            </a:r>
+              <a:t>Python Dash </a:t>
+            </a:r>
+            <a:r>
+              <a:rPr lang="en-US"/>
+              <a:t>Application Architecture</a:t>
+            </a:r>
+            <a:endParaRPr lang="en-US" dirty="0"/>
           </a:p>
         </p:txBody>
       </p:sp>
@@ -14491,7 +14534,7 @@
             </a:pPr>
             <a:r>
               <a:rPr lang="en-US"/>
-              <a:t>Hellerstein &amp; Herman, Gao 2019</a:t>
+              <a:t>Hellerstein, Herman, Gao 2019</a:t>
             </a:r>
           </a:p>
         </p:txBody>
@@ -14617,92 +14660,6 @@
           </a:p>
         </p:txBody>
       </p:sp>
-      <p:sp>
-        <p:nvSpPr>
-          <p:cNvPr id="7" name="Rectangle 6">
-            <a:extLst>
-              <a:ext uri="{FF2B5EF4-FFF2-40B4-BE49-F238E27FC236}">
-                <a16:creationId xmlns:a16="http://schemas.microsoft.com/office/drawing/2014/main" id="{BD84576E-D981-594A-858B-445A7C31848E}"/>
-              </a:ext>
-            </a:extLst>
-          </p:cNvPr>
-          <p:cNvSpPr/>
-          <p:nvPr/>
-        </p:nvSpPr>
-        <p:spPr bwMode="auto">
-          <a:xfrm>
-            <a:off x="4876800" y="4541838"/>
-            <a:ext cx="1752600" cy="1020762"/>
-          </a:xfrm>
-          <a:prstGeom prst="rect">
-            <a:avLst/>
-          </a:prstGeom>
-          <a:noFill/>
-          <a:ln w="9525" cap="flat" cmpd="sng" algn="ctr">
-            <a:solidFill>
-              <a:schemeClr val="tx1"/>
-            </a:solidFill>
-            <a:prstDash val="solid"/>
-            <a:round/>
-            <a:headEnd type="none" w="med" len="med"/>
-            <a:tailEnd type="none" w="med" len="med"/>
-          </a:ln>
-          <a:effectLst/>
-          <a:extLst>
-            <a:ext uri="{AF507438-7753-43e0-B8FC-AC1667EBCBE1}">
-              <a14:hiddenEffects xmlns:a14="http://schemas.microsoft.com/office/drawing/2010/main" xmlns="">
-                <a:effectLst>
-                  <a:outerShdw blurRad="63500" dist="38099" dir="2700000" algn="ctr" rotWithShape="0">
-                    <a:schemeClr val="bg2">
-                      <a:alpha val="74998"/>
-                    </a:schemeClr>
-                  </a:outerShdw>
-                </a:effectLst>
-              </a14:hiddenEffects>
-            </a:ext>
-          </a:extLst>
-        </p:spPr>
-        <p:txBody>
-          <a:bodyPr vert="horz" wrap="square" lIns="91440" tIns="45720" rIns="91440" bIns="45720" numCol="1" rtlCol="0" anchor="t" anchorCtr="0" compatLnSpc="1">
-            <a:prstTxWarp prst="textNoShape">
-              <a:avLst/>
-            </a:prstTxWarp>
-          </a:bodyPr>
-          <a:lstStyle/>
-          <a:p>
-            <a:pPr marL="0" marR="0" indent="0" algn="l" defTabSz="457200" rtl="0" eaLnBrk="1" fontAlgn="base" latinLnBrk="0" hangingPunct="1">
-              <a:lnSpc>
-                <a:spcPct val="100000"/>
-              </a:lnSpc>
-              <a:spcBef>
-                <a:spcPct val="0"/>
-              </a:spcBef>
-              <a:spcAft>
-                <a:spcPct val="0"/>
-              </a:spcAft>
-              <a:buClr>
-                <a:srgbClr val="000000"/>
-              </a:buClr>
-              <a:buSzPct val="100000"/>
-              <a:buFont typeface="Times New Roman" charset="0"/>
-              <a:buNone/>
-              <a:tabLst/>
-            </a:pPr>
-            <a:endParaRPr kumimoji="0" lang="en-US" sz="2400" b="0" i="0" u="none" strike="noStrike" cap="none" normalizeH="0" baseline="0" dirty="0">
-              <a:ln>
-                <a:noFill/>
-              </a:ln>
-              <a:solidFill>
-                <a:schemeClr val="bg1"/>
-              </a:solidFill>
-              <a:effectLst/>
-              <a:latin typeface="Arial" charset="0"/>
-              <a:ea typeface="ＭＳ Ｐゴシック" charset="0"/>
-              <a:cs typeface="ＭＳ Ｐゴシック" charset="0"/>
-            </a:endParaRPr>
-          </a:p>
-        </p:txBody>
-      </p:sp>
       <p:cxnSp>
         <p:nvCxnSpPr>
           <p:cNvPr id="9" name="Elbow Connector 8">
@@ -14722,11 +14679,11 @@
         <p:spPr bwMode="auto">
           <a:xfrm rot="10800000" flipH="1" flipV="1">
             <a:off x="3429000" y="2540525"/>
-            <a:ext cx="1447800" cy="2511693"/>
+            <a:ext cx="1371600" cy="2511693"/>
           </a:xfrm>
           <a:prstGeom prst="bentConnector3">
             <a:avLst>
-              <a:gd name="adj1" fmla="val -15789"/>
+              <a:gd name="adj1" fmla="val -16667"/>
             </a:avLst>
           </a:prstGeom>
           <a:solidFill>
@@ -14775,12 +14732,12 @@
         </p:nvCxnSpPr>
         <p:spPr bwMode="auto">
           <a:xfrm flipV="1">
-            <a:off x="6629400" y="2540526"/>
-            <a:ext cx="990600" cy="2511693"/>
+            <a:off x="6553200" y="2540526"/>
+            <a:ext cx="1066800" cy="2511693"/>
           </a:xfrm>
           <a:prstGeom prst="bentConnector3">
             <a:avLst>
-              <a:gd name="adj1" fmla="val 123077"/>
+              <a:gd name="adj1" fmla="val 121429"/>
             </a:avLst>
           </a:prstGeom>
           <a:solidFill>
@@ -14850,36 +14807,143 @@
           </a:p>
         </p:txBody>
       </p:sp>
-      <p:pic>
-        <p:nvPicPr>
-          <p:cNvPr id="16" name="Picture 15" descr="A screenshot of a cell phone&#10;&#10;Description automatically generated">
+      <p:grpSp>
+        <p:nvGrpSpPr>
+          <p:cNvPr id="33" name="Group 32">
             <a:extLst>
               <a:ext uri="{FF2B5EF4-FFF2-40B4-BE49-F238E27FC236}">
-                <a16:creationId xmlns:a16="http://schemas.microsoft.com/office/drawing/2014/main" id="{2148AC93-CAD0-5C46-A900-C11D1ABCA590}"/>
+                <a16:creationId xmlns:a16="http://schemas.microsoft.com/office/drawing/2014/main" id="{2BDC9D8D-27DC-314D-9A18-6DC6CC534995}"/>
               </a:ext>
             </a:extLst>
           </p:cNvPr>
-          <p:cNvPicPr>
-            <a:picLocks noChangeAspect="1"/>
-          </p:cNvPicPr>
+          <p:cNvGrpSpPr/>
           <p:nvPr/>
-        </p:nvPicPr>
-        <p:blipFill>
-          <a:blip r:embed="rId2"/>
-          <a:stretch>
-            <a:fillRect/>
-          </a:stretch>
-        </p:blipFill>
-        <p:spPr>
+        </p:nvGrpSpPr>
+        <p:grpSpPr>
           <a:xfrm>
-            <a:off x="4934482" y="4555654"/>
-            <a:ext cx="1691749" cy="1006946"/>
+            <a:off x="4800600" y="4541838"/>
+            <a:ext cx="1752600" cy="1020762"/>
+            <a:chOff x="4876800" y="4541838"/>
+            <a:chExt cx="1752600" cy="1020762"/>
           </a:xfrm>
-          <a:prstGeom prst="rect">
-            <a:avLst/>
-          </a:prstGeom>
-        </p:spPr>
-      </p:pic>
+        </p:grpSpPr>
+        <p:sp>
+          <p:nvSpPr>
+            <p:cNvPr id="7" name="Rectangle 6">
+              <a:extLst>
+                <a:ext uri="{FF2B5EF4-FFF2-40B4-BE49-F238E27FC236}">
+                  <a16:creationId xmlns:a16="http://schemas.microsoft.com/office/drawing/2014/main" id="{BD84576E-D981-594A-858B-445A7C31848E}"/>
+                </a:ext>
+              </a:extLst>
+            </p:cNvPr>
+            <p:cNvSpPr/>
+            <p:nvPr/>
+          </p:nvSpPr>
+          <p:spPr bwMode="auto">
+            <a:xfrm>
+              <a:off x="4876800" y="4541838"/>
+              <a:ext cx="1752600" cy="1020762"/>
+            </a:xfrm>
+            <a:prstGeom prst="rect">
+              <a:avLst/>
+            </a:prstGeom>
+            <a:noFill/>
+            <a:ln w="9525" cap="flat" cmpd="sng" algn="ctr">
+              <a:solidFill>
+                <a:schemeClr val="tx1"/>
+              </a:solidFill>
+              <a:prstDash val="solid"/>
+              <a:round/>
+              <a:headEnd type="none" w="med" len="med"/>
+              <a:tailEnd type="none" w="med" len="med"/>
+            </a:ln>
+            <a:effectLst/>
+            <a:extLst>
+              <a:ext uri="{AF507438-7753-43e0-B8FC-AC1667EBCBE1}">
+                <a14:hiddenEffects xmlns:a14="http://schemas.microsoft.com/office/drawing/2010/main" xmlns="">
+                  <a:effectLst>
+                    <a:outerShdw blurRad="63500" dist="38099" dir="2700000" algn="ctr" rotWithShape="0">
+                      <a:schemeClr val="bg2">
+                        <a:alpha val="74998"/>
+                      </a:schemeClr>
+                    </a:outerShdw>
+                  </a:effectLst>
+                </a14:hiddenEffects>
+              </a:ext>
+            </a:extLst>
+          </p:spPr>
+          <p:txBody>
+            <a:bodyPr vert="horz" wrap="square" lIns="91440" tIns="45720" rIns="91440" bIns="45720" numCol="1" rtlCol="0" anchor="t" anchorCtr="0" compatLnSpc="1">
+              <a:prstTxWarp prst="textNoShape">
+                <a:avLst/>
+              </a:prstTxWarp>
+            </a:bodyPr>
+            <a:lstStyle/>
+            <a:p>
+              <a:pPr marL="0" marR="0" indent="0" algn="l" defTabSz="457200" rtl="0" eaLnBrk="1" fontAlgn="base" latinLnBrk="0" hangingPunct="1">
+                <a:lnSpc>
+                  <a:spcPct val="100000"/>
+                </a:lnSpc>
+                <a:spcBef>
+                  <a:spcPct val="0"/>
+                </a:spcBef>
+                <a:spcAft>
+                  <a:spcPct val="0"/>
+                </a:spcAft>
+                <a:buClr>
+                  <a:srgbClr val="000000"/>
+                </a:buClr>
+                <a:buSzPct val="100000"/>
+                <a:buFont typeface="Times New Roman" charset="0"/>
+                <a:buNone/>
+                <a:tabLst/>
+              </a:pPr>
+              <a:endParaRPr kumimoji="0" lang="en-US" sz="2400" b="0" i="0" u="none" strike="noStrike" cap="none" normalizeH="0" baseline="0" dirty="0">
+                <a:ln>
+                  <a:noFill/>
+                </a:ln>
+                <a:solidFill>
+                  <a:schemeClr val="bg1"/>
+                </a:solidFill>
+                <a:effectLst/>
+                <a:latin typeface="Arial" charset="0"/>
+                <a:ea typeface="ＭＳ Ｐゴシック" charset="0"/>
+                <a:cs typeface="ＭＳ Ｐゴシック" charset="0"/>
+              </a:endParaRPr>
+            </a:p>
+          </p:txBody>
+        </p:sp>
+        <p:pic>
+          <p:nvPicPr>
+            <p:cNvPr id="16" name="Picture 15" descr="A screenshot of a cell phone&#10;&#10;Description automatically generated">
+              <a:extLst>
+                <a:ext uri="{FF2B5EF4-FFF2-40B4-BE49-F238E27FC236}">
+                  <a16:creationId xmlns:a16="http://schemas.microsoft.com/office/drawing/2014/main" id="{2148AC93-CAD0-5C46-A900-C11D1ABCA590}"/>
+                </a:ext>
+              </a:extLst>
+            </p:cNvPr>
+            <p:cNvPicPr>
+              <a:picLocks noChangeAspect="1"/>
+            </p:cNvPicPr>
+            <p:nvPr/>
+          </p:nvPicPr>
+          <p:blipFill>
+            <a:blip r:embed="rId2"/>
+            <a:stretch>
+              <a:fillRect/>
+            </a:stretch>
+          </p:blipFill>
+          <p:spPr>
+            <a:xfrm>
+              <a:off x="4876800" y="4555654"/>
+              <a:ext cx="1752600" cy="1006946"/>
+            </a:xfrm>
+            <a:prstGeom prst="rect">
+              <a:avLst/>
+            </a:prstGeom>
+          </p:spPr>
+        </p:pic>
+      </p:grpSp>
       <p:sp>
         <p:nvSpPr>
           <p:cNvPr id="19" name="TextBox 18">

--- a/DASH_visualizations/DASH Visualizations.pptx
+++ b/DASH_visualizations/DASH Visualizations.pptx
@@ -6,10 +6,10 @@
     <p:sldMasterId id="2147483649" r:id="rId2"/>
   </p:sldMasterIdLst>
   <p:notesMasterIdLst>
-    <p:notesMasterId r:id="rId9"/>
+    <p:notesMasterId r:id="rId10"/>
   </p:notesMasterIdLst>
   <p:handoutMasterIdLst>
-    <p:handoutMasterId r:id="rId10"/>
+    <p:handoutMasterId r:id="rId11"/>
   </p:handoutMasterIdLst>
   <p:sldIdLst>
     <p:sldId id="256" r:id="rId3"/>
@@ -18,6 +18,7 @@
     <p:sldId id="259" r:id="rId6"/>
     <p:sldId id="260" r:id="rId7"/>
     <p:sldId id="261" r:id="rId8"/>
+    <p:sldId id="262" r:id="rId9"/>
   </p:sldIdLst>
   <p:sldSz cx="9144000" cy="6858000" type="screen4x3"/>
   <p:notesSz cx="6858000" cy="9144000"/>
@@ -14498,13 +14499,8 @@
           <a:p>
             <a:r>
               <a:rPr lang="en-US" dirty="0"/>
-              <a:t>Python Dash </a:t>
-            </a:r>
-            <a:r>
-              <a:rPr lang="en-US"/>
-              <a:t>Application Architecture</a:t>
-            </a:r>
-            <a:endParaRPr lang="en-US" dirty="0"/>
+              <a:t>Python Dash Application Architecture</a:t>
+            </a:r>
           </a:p>
         </p:txBody>
       </p:sp>
@@ -15150,6 +15146,280 @@
     <p:extLst>
       <p:ext uri="{BB962C8B-B14F-4D97-AF65-F5344CB8AC3E}">
         <p14:creationId xmlns:p14="http://schemas.microsoft.com/office/powerpoint/2010/main" val="3092285706"/>
+      </p:ext>
+    </p:extLst>
+  </p:cSld>
+  <p:clrMapOvr>
+    <a:masterClrMapping/>
+  </p:clrMapOvr>
+</p:sld>
+</file>
+
+<file path=ppt/slides/slide7.xml><?xml version="1.0" encoding="utf-8"?>
+<p:sld xmlns:a="http://schemas.openxmlformats.org/drawingml/2006/main" xmlns:r="http://schemas.openxmlformats.org/officeDocument/2006/relationships" xmlns:p="http://schemas.openxmlformats.org/presentationml/2006/main">
+  <p:cSld>
+    <p:spTree>
+      <p:nvGrpSpPr>
+        <p:cNvPr id="1" name=""/>
+        <p:cNvGrpSpPr/>
+        <p:nvPr/>
+      </p:nvGrpSpPr>
+      <p:grpSpPr>
+        <a:xfrm>
+          <a:off x="0" y="0"/>
+          <a:ext cx="0" cy="0"/>
+          <a:chOff x="0" y="0"/>
+          <a:chExt cx="0" cy="0"/>
+        </a:xfrm>
+      </p:grpSpPr>
+      <p:sp>
+        <p:nvSpPr>
+          <p:cNvPr id="5" name="Title 4">
+            <a:extLst>
+              <a:ext uri="{FF2B5EF4-FFF2-40B4-BE49-F238E27FC236}">
+                <a16:creationId xmlns:a16="http://schemas.microsoft.com/office/drawing/2014/main" id="{EA78A081-E216-664D-AB4A-680E4777B18B}"/>
+              </a:ext>
+            </a:extLst>
+          </p:cNvPr>
+          <p:cNvSpPr>
+            <a:spLocks noGrp="1"/>
+          </p:cNvSpPr>
+          <p:nvPr>
+            <p:ph type="title"/>
+          </p:nvPr>
+        </p:nvSpPr>
+        <p:spPr/>
+        <p:txBody>
+          <a:bodyPr/>
+          <a:lstStyle/>
+          <a:p>
+            <a:r>
+              <a:rPr lang="en-US" dirty="0"/>
+              <a:t>References</a:t>
+            </a:r>
+          </a:p>
+        </p:txBody>
+      </p:sp>
+      <p:sp>
+        <p:nvSpPr>
+          <p:cNvPr id="6" name="Content Placeholder 5">
+            <a:extLst>
+              <a:ext uri="{FF2B5EF4-FFF2-40B4-BE49-F238E27FC236}">
+                <a16:creationId xmlns:a16="http://schemas.microsoft.com/office/drawing/2014/main" id="{E6EB517A-1D69-6747-B2C8-D0BB11A3DE95}"/>
+              </a:ext>
+            </a:extLst>
+          </p:cNvPr>
+          <p:cNvSpPr>
+            <a:spLocks noGrp="1"/>
+          </p:cNvSpPr>
+          <p:nvPr>
+            <p:ph idx="1"/>
+          </p:nvPr>
+        </p:nvSpPr>
+        <p:spPr/>
+        <p:txBody>
+          <a:bodyPr/>
+          <a:lstStyle/>
+          <a:p>
+            <a:pPr marL="457200" indent="-457200">
+              <a:buFont typeface="Arial" panose="020B0604020202020204" pitchFamily="34" charset="0"/>
+              <a:buChar char="•"/>
+            </a:pPr>
+            <a:r>
+              <a:rPr lang="en-US" dirty="0">
+                <a:solidFill>
+                  <a:schemeClr val="accent6">
+                    <a:lumMod val="60000"/>
+                    <a:lumOff val="40000"/>
+                  </a:schemeClr>
+                </a:solidFill>
+                <a:hlinkClick r:id="rId2">
+                  <a:extLst>
+                    <a:ext uri="{A12FA001-AC4F-418D-AE19-62706E023703}">
+                      <ahyp:hlinkClr xmlns:ahyp="http://schemas.microsoft.com/office/drawing/2018/hyperlinkcolor" val="tx"/>
+                    </a:ext>
+                  </a:extLst>
+                </a:hlinkClick>
+              </a:rPr>
+              <a:t>w3Schools HTML Tutorial</a:t>
+            </a:r>
+            <a:endParaRPr lang="en-US" dirty="0">
+              <a:solidFill>
+                <a:schemeClr val="accent6">
+                  <a:lumMod val="60000"/>
+                  <a:lumOff val="40000"/>
+                </a:schemeClr>
+              </a:solidFill>
+            </a:endParaRPr>
+          </a:p>
+          <a:p>
+            <a:pPr marL="457200" indent="-457200">
+              <a:buFont typeface="Arial" panose="020B0604020202020204" pitchFamily="34" charset="0"/>
+              <a:buChar char="•"/>
+            </a:pPr>
+            <a:r>
+              <a:rPr lang="en-US" dirty="0">
+                <a:solidFill>
+                  <a:schemeClr val="accent6">
+                    <a:lumMod val="60000"/>
+                    <a:lumOff val="40000"/>
+                  </a:schemeClr>
+                </a:solidFill>
+                <a:hlinkClick r:id="rId3">
+                  <a:extLst>
+                    <a:ext uri="{A12FA001-AC4F-418D-AE19-62706E023703}">
+                      <ahyp:hlinkClr xmlns:ahyp="http://schemas.microsoft.com/office/drawing/2018/hyperlinkcolor" val="tx"/>
+                    </a:ext>
+                  </a:extLst>
+                </a:hlinkClick>
+              </a:rPr>
+              <a:t>w3Schools CSS Tutorial </a:t>
+            </a:r>
+            <a:endParaRPr lang="en-US" dirty="0">
+              <a:solidFill>
+                <a:schemeClr val="accent6">
+                  <a:lumMod val="60000"/>
+                  <a:lumOff val="40000"/>
+                </a:schemeClr>
+              </a:solidFill>
+            </a:endParaRPr>
+          </a:p>
+          <a:p>
+            <a:pPr marL="457200" indent="-457200">
+              <a:buFont typeface="Arial" panose="020B0604020202020204" pitchFamily="34" charset="0"/>
+              <a:buChar char="•"/>
+            </a:pPr>
+            <a:r>
+              <a:rPr lang="en-US" dirty="0">
+                <a:solidFill>
+                  <a:schemeClr val="accent6">
+                    <a:lumMod val="60000"/>
+                    <a:lumOff val="40000"/>
+                  </a:schemeClr>
+                </a:solidFill>
+                <a:hlinkClick r:id="rId4">
+                  <a:extLst>
+                    <a:ext uri="{A12FA001-AC4F-418D-AE19-62706E023703}">
+                      <ahyp:hlinkClr xmlns:ahyp="http://schemas.microsoft.com/office/drawing/2018/hyperlinkcolor" val="tx"/>
+                    </a:ext>
+                  </a:extLst>
+                </a:hlinkClick>
+              </a:rPr>
+              <a:t>w3Schools JavaScript Tutorial</a:t>
+            </a:r>
+            <a:endParaRPr lang="en-US" dirty="0">
+              <a:solidFill>
+                <a:schemeClr val="accent6">
+                  <a:lumMod val="60000"/>
+                  <a:lumOff val="40000"/>
+                </a:schemeClr>
+              </a:solidFill>
+            </a:endParaRPr>
+          </a:p>
+          <a:p>
+            <a:pPr marL="457200" indent="-457200">
+              <a:buFont typeface="Arial" panose="020B0604020202020204" pitchFamily="34" charset="0"/>
+              <a:buChar char="•"/>
+            </a:pPr>
+            <a:r>
+              <a:rPr lang="en-US" dirty="0">
+                <a:solidFill>
+                  <a:schemeClr val="accent6">
+                    <a:lumMod val="60000"/>
+                    <a:lumOff val="40000"/>
+                  </a:schemeClr>
+                </a:solidFill>
+                <a:hlinkClick r:id="rId5">
+                  <a:extLst>
+                    <a:ext uri="{A12FA001-AC4F-418D-AE19-62706E023703}">
+                      <ahyp:hlinkClr xmlns:ahyp="http://schemas.microsoft.com/office/drawing/2018/hyperlinkcolor" val="tx"/>
+                    </a:ext>
+                  </a:extLst>
+                </a:hlinkClick>
+              </a:rPr>
+              <a:t>Dash Users Guide</a:t>
+            </a:r>
+            <a:endParaRPr lang="en-US" dirty="0">
+              <a:solidFill>
+                <a:schemeClr val="accent6">
+                  <a:lumMod val="60000"/>
+                  <a:lumOff val="40000"/>
+                </a:schemeClr>
+              </a:solidFill>
+            </a:endParaRPr>
+          </a:p>
+        </p:txBody>
+      </p:sp>
+      <p:sp>
+        <p:nvSpPr>
+          <p:cNvPr id="3" name="Footer Placeholder 2">
+            <a:extLst>
+              <a:ext uri="{FF2B5EF4-FFF2-40B4-BE49-F238E27FC236}">
+                <a16:creationId xmlns:a16="http://schemas.microsoft.com/office/drawing/2014/main" id="{18B1074C-6B51-384E-83D5-9C29082D051F}"/>
+              </a:ext>
+            </a:extLst>
+          </p:cNvPr>
+          <p:cNvSpPr>
+            <a:spLocks noGrp="1"/>
+          </p:cNvSpPr>
+          <p:nvPr>
+            <p:ph type="ftr" idx="10"/>
+          </p:nvPr>
+        </p:nvSpPr>
+        <p:spPr/>
+        <p:txBody>
+          <a:bodyPr/>
+          <a:lstStyle/>
+          <a:p>
+            <a:pPr>
+              <a:defRPr/>
+            </a:pPr>
+            <a:r>
+              <a:rPr lang="en-US"/>
+              <a:t>Hellerstein, Herman, Gao 2019</a:t>
+            </a:r>
+          </a:p>
+        </p:txBody>
+      </p:sp>
+      <p:sp>
+        <p:nvSpPr>
+          <p:cNvPr id="4" name="Slide Number Placeholder 3">
+            <a:extLst>
+              <a:ext uri="{FF2B5EF4-FFF2-40B4-BE49-F238E27FC236}">
+                <a16:creationId xmlns:a16="http://schemas.microsoft.com/office/drawing/2014/main" id="{922423BE-AE46-694B-B466-F1A207E49280}"/>
+              </a:ext>
+            </a:extLst>
+          </p:cNvPr>
+          <p:cNvSpPr>
+            <a:spLocks noGrp="1"/>
+          </p:cNvSpPr>
+          <p:nvPr>
+            <p:ph type="sldNum" idx="11"/>
+          </p:nvPr>
+        </p:nvSpPr>
+        <p:spPr/>
+        <p:txBody>
+          <a:bodyPr/>
+          <a:lstStyle/>
+          <a:p>
+            <a:pPr>
+              <a:defRPr/>
+            </a:pPr>
+            <a:fld id="{FE654572-8C1D-F141-995C-CCE926B2FBD9}" type="slidenum">
+              <a:rPr lang="en-US" altLang="x-none" smtClean="0"/>
+              <a:pPr>
+                <a:defRPr/>
+              </a:pPr>
+              <a:t>7</a:t>
+            </a:fld>
+            <a:endParaRPr lang="en-US" altLang="x-none"/>
+          </a:p>
+        </p:txBody>
+      </p:sp>
+    </p:spTree>
+    <p:extLst>
+      <p:ext uri="{BB962C8B-B14F-4D97-AF65-F5344CB8AC3E}">
+        <p14:creationId xmlns:p14="http://schemas.microsoft.com/office/powerpoint/2010/main" val="608144502"/>
       </p:ext>
     </p:extLst>
   </p:cSld>

--- a/DASH_visualizations/DASH Visualizations.pptx
+++ b/DASH_visualizations/DASH Visualizations.pptx
@@ -6,10 +6,10 @@
     <p:sldMasterId id="2147483649" r:id="rId2"/>
   </p:sldMasterIdLst>
   <p:notesMasterIdLst>
-    <p:notesMasterId r:id="rId10"/>
+    <p:notesMasterId r:id="rId12"/>
   </p:notesMasterIdLst>
   <p:handoutMasterIdLst>
-    <p:handoutMasterId r:id="rId11"/>
+    <p:handoutMasterId r:id="rId13"/>
   </p:handoutMasterIdLst>
   <p:sldIdLst>
     <p:sldId id="256" r:id="rId3"/>
@@ -18,7 +18,9 @@
     <p:sldId id="259" r:id="rId6"/>
     <p:sldId id="260" r:id="rId7"/>
     <p:sldId id="261" r:id="rId8"/>
-    <p:sldId id="262" r:id="rId9"/>
+    <p:sldId id="264" r:id="rId9"/>
+    <p:sldId id="263" r:id="rId10"/>
+    <p:sldId id="262" r:id="rId11"/>
   </p:sldIdLst>
   <p:sldSz cx="9144000" cy="6858000" type="screen4x3"/>
   <p:notesSz cx="6858000" cy="9144000"/>
@@ -290,7 +292,7 @@
               <a:pPr>
                 <a:defRPr/>
               </a:pPr>
-              <a:t>4/21/19</a:t>
+              <a:t>4/24/19</a:t>
             </a:fld>
             <a:endParaRPr lang="en-US" altLang="x-none"/>
           </a:p>
@@ -556,7 +558,7 @@
           <a:effectLst/>
           <a:extLst>
             <a:ext uri="{FAA26D3D-D897-4be2-8F04-BA451C77F1D7}">
-              <ma14:placeholderFlag xmlns="" xmlns:ma14="http://schemas.microsoft.com/office/mac/drawingml/2011/main" val="1"/>
+              <ma14:placeholderFlag xmlns:ma14="http://schemas.microsoft.com/office/mac/drawingml/2011/main" xmlns="" val="1"/>
             </a:ext>
             <a:ext uri="{909E8E84-426E-40dd-AFC4-6F175D3DCCD1}"/>
             <a:ext uri="{91240B29-F687-4f45-9708-019B960494DF}"/>
@@ -637,7 +639,7 @@
               </a14:hiddenFill>
             </a:ext>
             <a:ext uri="{FAA26D3D-D897-4be2-8F04-BA451C77F1D7}">
-              <ma14:placeholderFlag xmlns="" xmlns:ma14="http://schemas.microsoft.com/office/mac/drawingml/2011/main" val="1"/>
+              <ma14:placeholderFlag xmlns:ma14="http://schemas.microsoft.com/office/mac/drawingml/2011/main" xmlns="" val="1"/>
             </a:ext>
           </a:extLst>
         </p:spPr>
@@ -667,7 +669,7 @@
           <a:effectLst/>
           <a:extLst>
             <a:ext uri="{FAA26D3D-D897-4be2-8F04-BA451C77F1D7}">
-              <ma14:placeholderFlag xmlns="" xmlns:ma14="http://schemas.microsoft.com/office/mac/drawingml/2011/main" val="1"/>
+              <ma14:placeholderFlag xmlns:ma14="http://schemas.microsoft.com/office/mac/drawingml/2011/main" xmlns="" val="1"/>
             </a:ext>
             <a:ext uri="{909E8E84-426E-40dd-AFC4-6F175D3DCCD1}"/>
             <a:ext uri="{91240B29-F687-4f45-9708-019B960494DF}"/>
@@ -768,7 +770,7 @@
           <a:effectLst/>
           <a:extLst>
             <a:ext uri="{FAA26D3D-D897-4be2-8F04-BA451C77F1D7}">
-              <ma14:placeholderFlag xmlns="" xmlns:ma14="http://schemas.microsoft.com/office/mac/drawingml/2011/main" val="1"/>
+              <ma14:placeholderFlag xmlns:ma14="http://schemas.microsoft.com/office/mac/drawingml/2011/main" xmlns="" val="1"/>
             </a:ext>
             <a:ext uri="{909E8E84-426E-40dd-AFC4-6F175D3DCCD1}"/>
             <a:ext uri="{91240B29-F687-4f45-9708-019B960494DF}"/>
@@ -9881,7 +9883,7 @@
           <a:effectLst/>
           <a:extLst>
             <a:ext uri="{FAA26D3D-D897-4be2-8F04-BA451C77F1D7}">
-              <ma14:placeholderFlag xmlns="" xmlns:ma14="http://schemas.microsoft.com/office/mac/drawingml/2011/main" val="1"/>
+              <ma14:placeholderFlag xmlns:ma14="http://schemas.microsoft.com/office/mac/drawingml/2011/main" xmlns="" val="1"/>
             </a:ext>
             <a:ext uri="{909E8E84-426E-40dd-AFC4-6F175D3DCCD1}"/>
             <a:ext uri="{91240B29-F687-4f45-9708-019B960494DF}"/>
@@ -10296,7 +10298,7 @@
           <a:effectLst/>
           <a:extLst>
             <a:ext uri="{FAA26D3D-D897-4be2-8F04-BA451C77F1D7}">
-              <ma14:placeholderFlag xmlns="" xmlns:ma14="http://schemas.microsoft.com/office/mac/drawingml/2011/main" val="1"/>
+              <ma14:placeholderFlag xmlns:ma14="http://schemas.microsoft.com/office/mac/drawingml/2011/main" xmlns="" val="1"/>
             </a:ext>
             <a:ext uri="{909E8E84-426E-40dd-AFC4-6F175D3DCCD1}"/>
             <a:ext uri="{91240B29-F687-4f45-9708-019B960494DF}"/>
@@ -11654,7 +11656,7 @@
           <a:effectLst/>
           <a:extLst>
             <a:ext uri="{FAA26D3D-D897-4be2-8F04-BA451C77F1D7}">
-              <ma14:placeholderFlag xmlns="" xmlns:ma14="http://schemas.microsoft.com/office/mac/drawingml/2011/main" val="1"/>
+              <ma14:placeholderFlag xmlns:ma14="http://schemas.microsoft.com/office/mac/drawingml/2011/main" xmlns="" val="1"/>
             </a:ext>
             <a:ext uri="{909E8E84-426E-40dd-AFC4-6F175D3DCCD1}"/>
             <a:ext uri="{91240B29-F687-4f45-9708-019B960494DF}"/>
@@ -11725,7 +11727,7 @@
           <a:effectLst/>
           <a:extLst>
             <a:ext uri="{FAA26D3D-D897-4be2-8F04-BA451C77F1D7}">
-              <ma14:placeholderFlag xmlns="" xmlns:ma14="http://schemas.microsoft.com/office/mac/drawingml/2011/main" val="1"/>
+              <ma14:placeholderFlag xmlns:ma14="http://schemas.microsoft.com/office/mac/drawingml/2011/main" xmlns="" val="1"/>
             </a:ext>
             <a:ext uri="{909E8E84-426E-40dd-AFC4-6F175D3DCCD1}"/>
             <a:ext uri="{91240B29-F687-4f45-9708-019B960494DF}"/>
@@ -12671,7 +12673,7 @@
                 </a:solidFill>
                 <a:latin typeface="Calibri" charset="0"/>
               </a:rPr>
-              <a:t>Data Visualization in DASH</a:t>
+              <a:t>Data Visualization in Dash</a:t>
             </a:r>
           </a:p>
         </p:txBody>
@@ -14007,16 +14009,6 @@
             </a:pPr>
             <a:r>
               <a:rPr lang="en-US" dirty="0"/>
-              <a:t>Maps</a:t>
-            </a:r>
-          </a:p>
-          <a:p>
-            <a:pPr marL="457200" indent="-457200">
-              <a:buFont typeface="Arial" panose="020B0604020202020204" pitchFamily="34" charset="0"/>
-              <a:buChar char="•"/>
-            </a:pPr>
-            <a:r>
-              <a:rPr lang="en-US" dirty="0"/>
               <a:t>Testing</a:t>
             </a:r>
           </a:p>
@@ -14141,7 +14133,7 @@
           <a:p>
             <a:r>
               <a:rPr lang="en-US" dirty="0"/>
-              <a:t>Elements of Browser Programmer</a:t>
+              <a:t>Elements of Browser Programming</a:t>
             </a:r>
           </a:p>
         </p:txBody>
@@ -14499,7 +14491,7 @@
           <a:p>
             <a:r>
               <a:rPr lang="en-US" dirty="0"/>
-              <a:t>Python Dash Application Architecture</a:t>
+              <a:t>Dash Visualizations</a:t>
             </a:r>
           </a:p>
         </p:txBody>
@@ -14570,92 +14562,6 @@
           </a:p>
         </p:txBody>
       </p:sp>
-      <p:sp>
-        <p:nvSpPr>
-          <p:cNvPr id="6" name="Rectangle 5">
-            <a:extLst>
-              <a:ext uri="{FF2B5EF4-FFF2-40B4-BE49-F238E27FC236}">
-                <a16:creationId xmlns:a16="http://schemas.microsoft.com/office/drawing/2014/main" id="{EAB6D81B-D8B2-3443-BBEB-D877391D12E6}"/>
-              </a:ext>
-            </a:extLst>
-          </p:cNvPr>
-          <p:cNvSpPr/>
-          <p:nvPr/>
-        </p:nvSpPr>
-        <p:spPr bwMode="auto">
-          <a:xfrm>
-            <a:off x="3429000" y="1373327"/>
-            <a:ext cx="4191000" cy="2334398"/>
-          </a:xfrm>
-          <a:prstGeom prst="rect">
-            <a:avLst/>
-          </a:prstGeom>
-          <a:noFill/>
-          <a:ln w="9525" cap="flat" cmpd="sng" algn="ctr">
-            <a:solidFill>
-              <a:schemeClr val="tx1"/>
-            </a:solidFill>
-            <a:prstDash val="solid"/>
-            <a:round/>
-            <a:headEnd type="none" w="med" len="med"/>
-            <a:tailEnd type="none" w="med" len="med"/>
-          </a:ln>
-          <a:effectLst/>
-          <a:extLst>
-            <a:ext uri="{AF507438-7753-43e0-B8FC-AC1667EBCBE1}">
-              <a14:hiddenEffects xmlns:a14="http://schemas.microsoft.com/office/drawing/2010/main" xmlns="">
-                <a:effectLst>
-                  <a:outerShdw blurRad="63500" dist="38099" dir="2700000" algn="ctr" rotWithShape="0">
-                    <a:schemeClr val="bg2">
-                      <a:alpha val="74998"/>
-                    </a:schemeClr>
-                  </a:outerShdw>
-                </a:effectLst>
-              </a14:hiddenEffects>
-            </a:ext>
-          </a:extLst>
-        </p:spPr>
-        <p:txBody>
-          <a:bodyPr vert="horz" wrap="square" lIns="91440" tIns="45720" rIns="91440" bIns="45720" numCol="1" rtlCol="0" anchor="t" anchorCtr="0" compatLnSpc="1">
-            <a:prstTxWarp prst="textNoShape">
-              <a:avLst/>
-            </a:prstTxWarp>
-          </a:bodyPr>
-          <a:lstStyle/>
-          <a:p>
-            <a:pPr marL="0" marR="0" indent="0" algn="l" defTabSz="457200" rtl="0" eaLnBrk="1" fontAlgn="base" latinLnBrk="0" hangingPunct="1">
-              <a:lnSpc>
-                <a:spcPct val="100000"/>
-              </a:lnSpc>
-              <a:spcBef>
-                <a:spcPct val="0"/>
-              </a:spcBef>
-              <a:spcAft>
-                <a:spcPct val="0"/>
-              </a:spcAft>
-              <a:buClr>
-                <a:srgbClr val="000000"/>
-              </a:buClr>
-              <a:buSzPct val="100000"/>
-              <a:buFont typeface="Times New Roman" charset="0"/>
-              <a:buNone/>
-              <a:tabLst/>
-            </a:pPr>
-            <a:endParaRPr kumimoji="0" lang="en-US" sz="2400" b="0" i="0" u="none" strike="noStrike" cap="none" normalizeH="0" baseline="0" dirty="0">
-              <a:ln>
-                <a:noFill/>
-              </a:ln>
-              <a:solidFill>
-                <a:schemeClr val="bg1"/>
-              </a:solidFill>
-              <a:effectLst/>
-              <a:latin typeface="Arial" charset="0"/>
-              <a:ea typeface="ＭＳ Ｐゴシック" charset="0"/>
-              <a:cs typeface="ＭＳ Ｐゴシック" charset="0"/>
-            </a:endParaRPr>
-          </a:p>
-        </p:txBody>
-      </p:sp>
       <p:cxnSp>
         <p:nvCxnSpPr>
           <p:cNvPr id="9" name="Elbow Connector 8">
@@ -14674,8 +14580,8 @@
         </p:nvCxnSpPr>
         <p:spPr bwMode="auto">
           <a:xfrm rot="10800000" flipH="1" flipV="1">
-            <a:off x="3429000" y="2540525"/>
-            <a:ext cx="1371600" cy="2511693"/>
+            <a:off x="3429000" y="3016893"/>
+            <a:ext cx="1371600" cy="1760688"/>
           </a:xfrm>
           <a:prstGeom prst="bentConnector3">
             <a:avLst>
@@ -14697,7 +14603,7 @@
           <a:effectLst/>
           <a:extLst>
             <a:ext uri="{AF507438-7753-43e0-B8FC-AC1667EBCBE1}">
-              <a14:hiddenEffects xmlns:a14="http://schemas.microsoft.com/office/drawing/2010/main" xmlns="">
+              <a14:hiddenEffects xmlns="" xmlns:a14="http://schemas.microsoft.com/office/drawing/2010/main">
                 <a:effectLst>
                   <a:outerShdw blurRad="63500" dist="38099" dir="2700000" algn="ctr" rotWithShape="0">
                     <a:schemeClr val="bg2">
@@ -14728,8 +14634,8 @@
         </p:nvCxnSpPr>
         <p:spPr bwMode="auto">
           <a:xfrm flipV="1">
-            <a:off x="6553200" y="2540526"/>
-            <a:ext cx="1066800" cy="2511693"/>
+            <a:off x="6553200" y="3016893"/>
+            <a:ext cx="1066800" cy="1760688"/>
           </a:xfrm>
           <a:prstGeom prst="bentConnector3">
             <a:avLst>
@@ -14751,7 +14657,7 @@
           <a:effectLst/>
           <a:extLst>
             <a:ext uri="{AF507438-7753-43e0-B8FC-AC1667EBCBE1}">
-              <a14:hiddenEffects xmlns:a14="http://schemas.microsoft.com/office/drawing/2010/main" xmlns="">
+              <a14:hiddenEffects xmlns="" xmlns:a14="http://schemas.microsoft.com/office/drawing/2010/main">
                 <a:effectLst>
                   <a:outerShdw blurRad="63500" dist="38099" dir="2700000" algn="ctr" rotWithShape="0">
                     <a:schemeClr val="bg2">
@@ -14778,7 +14684,7 @@
         </p:nvSpPr>
         <p:spPr>
           <a:xfrm>
-            <a:off x="568716" y="1911422"/>
+            <a:off x="568716" y="2246384"/>
             <a:ext cx="2719655" cy="461665"/>
           </a:xfrm>
           <a:prstGeom prst="rect">
@@ -14817,7 +14723,7 @@
         </p:nvGrpSpPr>
         <p:grpSpPr>
           <a:xfrm>
-            <a:off x="4800600" y="4541838"/>
+            <a:off x="4800600" y="4267200"/>
             <a:ext cx="1752600" cy="1020762"/>
             <a:chOff x="4876800" y="4541838"/>
             <a:chExt cx="1752600" cy="1020762"/>
@@ -14856,7 +14762,7 @@
             <a:effectLst/>
             <a:extLst>
               <a:ext uri="{AF507438-7753-43e0-B8FC-AC1667EBCBE1}">
-                <a14:hiddenEffects xmlns:a14="http://schemas.microsoft.com/office/drawing/2010/main" xmlns="">
+                <a14:hiddenEffects xmlns="" xmlns:a14="http://schemas.microsoft.com/office/drawing/2010/main">
                   <a:effectLst>
                     <a:outerShdw blurRad="63500" dist="38099" dir="2700000" algn="ctr" rotWithShape="0">
                       <a:schemeClr val="bg2">
@@ -14954,7 +14860,7 @@
         </p:nvSpPr>
         <p:spPr>
           <a:xfrm>
-            <a:off x="563450" y="4765973"/>
+            <a:off x="563450" y="4572000"/>
             <a:ext cx="2027350" cy="461665"/>
           </a:xfrm>
           <a:prstGeom prst="rect">
@@ -14979,12 +14885,282 @@
           </a:p>
         </p:txBody>
       </p:sp>
+      <p:grpSp>
+        <p:nvGrpSpPr>
+          <p:cNvPr id="36" name="Group 35">
+            <a:extLst>
+              <a:ext uri="{FF2B5EF4-FFF2-40B4-BE49-F238E27FC236}">
+                <a16:creationId xmlns:a16="http://schemas.microsoft.com/office/drawing/2014/main" id="{76CE27E3-2D9B-5742-81FC-6CEEDA9FDFC0}"/>
+              </a:ext>
+            </a:extLst>
+          </p:cNvPr>
+          <p:cNvGrpSpPr/>
+          <p:nvPr/>
+        </p:nvGrpSpPr>
+        <p:grpSpPr>
+          <a:xfrm>
+            <a:off x="3429000" y="1949148"/>
+            <a:ext cx="4191000" cy="2089452"/>
+            <a:chOff x="3429000" y="2087562"/>
+            <a:chExt cx="4191000" cy="2089452"/>
+          </a:xfrm>
+        </p:grpSpPr>
+        <p:sp>
+          <p:nvSpPr>
+            <p:cNvPr id="6" name="Rectangle 5">
+              <a:extLst>
+                <a:ext uri="{FF2B5EF4-FFF2-40B4-BE49-F238E27FC236}">
+                  <a16:creationId xmlns:a16="http://schemas.microsoft.com/office/drawing/2014/main" id="{EAB6D81B-D8B2-3443-BBEB-D877391D12E6}"/>
+                </a:ext>
+              </a:extLst>
+            </p:cNvPr>
+            <p:cNvSpPr/>
+            <p:nvPr/>
+          </p:nvSpPr>
+          <p:spPr bwMode="auto">
+            <a:xfrm>
+              <a:off x="3429000" y="2133600"/>
+              <a:ext cx="4191000" cy="2043414"/>
+            </a:xfrm>
+            <a:prstGeom prst="rect">
+              <a:avLst/>
+            </a:prstGeom>
+            <a:noFill/>
+            <a:ln w="9525" cap="flat" cmpd="sng" algn="ctr">
+              <a:solidFill>
+                <a:schemeClr val="tx1"/>
+              </a:solidFill>
+              <a:prstDash val="solid"/>
+              <a:round/>
+              <a:headEnd type="none" w="med" len="med"/>
+              <a:tailEnd type="none" w="med" len="med"/>
+            </a:ln>
+            <a:effectLst/>
+            <a:extLst>
+              <a:ext uri="{AF507438-7753-43e0-B8FC-AC1667EBCBE1}">
+                <a14:hiddenEffects xmlns="" xmlns:a14="http://schemas.microsoft.com/office/drawing/2010/main">
+                  <a:effectLst>
+                    <a:outerShdw blurRad="63500" dist="38099" dir="2700000" algn="ctr" rotWithShape="0">
+                      <a:schemeClr val="bg2">
+                        <a:alpha val="74998"/>
+                      </a:schemeClr>
+                    </a:outerShdw>
+                  </a:effectLst>
+                </a14:hiddenEffects>
+              </a:ext>
+            </a:extLst>
+          </p:spPr>
+          <p:txBody>
+            <a:bodyPr vert="horz" wrap="square" lIns="91440" tIns="45720" rIns="91440" bIns="45720" numCol="1" rtlCol="0" anchor="t" anchorCtr="0" compatLnSpc="1">
+              <a:prstTxWarp prst="textNoShape">
+                <a:avLst/>
+              </a:prstTxWarp>
+            </a:bodyPr>
+            <a:lstStyle/>
+            <a:p>
+              <a:pPr marL="0" marR="0" indent="0" algn="l" defTabSz="457200" rtl="0" eaLnBrk="1" fontAlgn="base" latinLnBrk="0" hangingPunct="1">
+                <a:lnSpc>
+                  <a:spcPct val="100000"/>
+                </a:lnSpc>
+                <a:spcBef>
+                  <a:spcPct val="0"/>
+                </a:spcBef>
+                <a:spcAft>
+                  <a:spcPct val="0"/>
+                </a:spcAft>
+                <a:buClr>
+                  <a:srgbClr val="000000"/>
+                </a:buClr>
+                <a:buSzPct val="100000"/>
+                <a:buFont typeface="Times New Roman" charset="0"/>
+                <a:buNone/>
+                <a:tabLst/>
+              </a:pPr>
+              <a:endParaRPr kumimoji="0" lang="en-US" sz="2400" b="0" i="0" u="none" strike="noStrike" cap="none" normalizeH="0" baseline="0" dirty="0">
+                <a:ln>
+                  <a:noFill/>
+                </a:ln>
+                <a:solidFill>
+                  <a:schemeClr val="bg1"/>
+                </a:solidFill>
+                <a:effectLst/>
+                <a:latin typeface="Arial" charset="0"/>
+                <a:ea typeface="ＭＳ Ｐゴシック" charset="0"/>
+                <a:cs typeface="ＭＳ Ｐゴシック" charset="0"/>
+              </a:endParaRPr>
+            </a:p>
+          </p:txBody>
+        </p:sp>
+        <p:sp>
+          <p:nvSpPr>
+            <p:cNvPr id="20" name="TextBox 19">
+              <a:extLst>
+                <a:ext uri="{FF2B5EF4-FFF2-40B4-BE49-F238E27FC236}">
+                  <a16:creationId xmlns:a16="http://schemas.microsoft.com/office/drawing/2014/main" id="{8193D03F-A08F-3747-8A2D-91204568AB0B}"/>
+                </a:ext>
+              </a:extLst>
+            </p:cNvPr>
+            <p:cNvSpPr txBox="1"/>
+            <p:nvPr/>
+          </p:nvSpPr>
+          <p:spPr>
+            <a:xfrm>
+              <a:off x="3810000" y="2087562"/>
+              <a:ext cx="3777339" cy="2031325"/>
+            </a:xfrm>
+            <a:prstGeom prst="rect">
+              <a:avLst/>
+            </a:prstGeom>
+            <a:noFill/>
+          </p:spPr>
+          <p:txBody>
+            <a:bodyPr wrap="square" rtlCol="0">
+              <a:spAutoFit/>
+            </a:bodyPr>
+            <a:lstStyle/>
+            <a:p>
+              <a:r>
+                <a:rPr lang="en-US" sz="1800" dirty="0">
+                  <a:solidFill>
+                    <a:schemeClr val="tx1"/>
+                  </a:solidFill>
+                  <a:latin typeface="Courier New" panose="02070309020205020404" pitchFamily="49" charset="0"/>
+                  <a:cs typeface="Courier New" panose="02070309020205020404" pitchFamily="49" charset="0"/>
+                </a:rPr>
+                <a:t>import dash</a:t>
+              </a:r>
+            </a:p>
+            <a:p>
+              <a:r>
+                <a:rPr lang="en-US" sz="1800" dirty="0">
+                  <a:solidFill>
+                    <a:schemeClr val="tx1"/>
+                  </a:solidFill>
+                  <a:latin typeface="Courier New" panose="02070309020205020404" pitchFamily="49" charset="0"/>
+                  <a:cs typeface="Courier New" panose="02070309020205020404" pitchFamily="49" charset="0"/>
+                </a:rPr>
+                <a:t>...</a:t>
+              </a:r>
+            </a:p>
+            <a:p>
+              <a:r>
+                <a:rPr lang="en-US" sz="1800" dirty="0">
+                  <a:solidFill>
+                    <a:schemeClr val="tx1"/>
+                  </a:solidFill>
+                  <a:latin typeface="Courier New" panose="02070309020205020404" pitchFamily="49" charset="0"/>
+                  <a:cs typeface="Courier New" panose="02070309020205020404" pitchFamily="49" charset="0"/>
+                </a:rPr>
+                <a:t>app = </a:t>
+              </a:r>
+              <a:r>
+                <a:rPr lang="en-US" sz="1800" dirty="0" err="1">
+                  <a:solidFill>
+                    <a:schemeClr val="tx1"/>
+                  </a:solidFill>
+                  <a:latin typeface="Courier New" panose="02070309020205020404" pitchFamily="49" charset="0"/>
+                  <a:cs typeface="Courier New" panose="02070309020205020404" pitchFamily="49" charset="0"/>
+                </a:rPr>
+                <a:t>dash.Dash</a:t>
+              </a:r>
+              <a:r>
+                <a:rPr lang="en-US" sz="1800" dirty="0">
+                  <a:solidFill>
+                    <a:schemeClr val="tx1"/>
+                  </a:solidFill>
+                  <a:latin typeface="Courier New" panose="02070309020205020404" pitchFamily="49" charset="0"/>
+                  <a:cs typeface="Courier New" panose="02070309020205020404" pitchFamily="49" charset="0"/>
+                </a:rPr>
+                <a:t>(__name__)</a:t>
+              </a:r>
+            </a:p>
+            <a:p>
+              <a:r>
+                <a:rPr lang="en-US" sz="1800" dirty="0" err="1">
+                  <a:solidFill>
+                    <a:schemeClr val="tx1"/>
+                  </a:solidFill>
+                  <a:latin typeface="Courier New" panose="02070309020205020404" pitchFamily="49" charset="0"/>
+                  <a:cs typeface="Courier New" panose="02070309020205020404" pitchFamily="49" charset="0"/>
+                </a:rPr>
+                <a:t>app.layout</a:t>
+              </a:r>
+              <a:r>
+                <a:rPr lang="en-US" sz="1800" dirty="0">
+                  <a:solidFill>
+                    <a:schemeClr val="tx1"/>
+                  </a:solidFill>
+                  <a:latin typeface="Courier New" panose="02070309020205020404" pitchFamily="49" charset="0"/>
+                  <a:cs typeface="Courier New" panose="02070309020205020404" pitchFamily="49" charset="0"/>
+                </a:rPr>
+                <a:t>=[…]</a:t>
+              </a:r>
+            </a:p>
+            <a:p>
+              <a:r>
+                <a:rPr lang="en-US" sz="1800" dirty="0">
+                  <a:solidFill>
+                    <a:schemeClr val="tx1"/>
+                  </a:solidFill>
+                  <a:latin typeface="Courier New" panose="02070309020205020404" pitchFamily="49" charset="0"/>
+                  <a:cs typeface="Courier New" panose="02070309020205020404" pitchFamily="49" charset="0"/>
+                </a:rPr>
+                <a:t>...</a:t>
+              </a:r>
+            </a:p>
+            <a:p>
+              <a:r>
+                <a:rPr lang="en-US" sz="1800" dirty="0">
+                  <a:solidFill>
+                    <a:schemeClr val="tx1"/>
+                  </a:solidFill>
+                  <a:latin typeface="Courier New" panose="02070309020205020404" pitchFamily="49" charset="0"/>
+                  <a:cs typeface="Courier New" panose="02070309020205020404" pitchFamily="49" charset="0"/>
+                </a:rPr>
+                <a:t>if __name__ == '__main__’:</a:t>
+              </a:r>
+            </a:p>
+            <a:p>
+              <a:r>
+                <a:rPr lang="en-US" sz="1800" dirty="0">
+                  <a:solidFill>
+                    <a:schemeClr val="tx1"/>
+                  </a:solidFill>
+                  <a:latin typeface="Courier New" panose="02070309020205020404" pitchFamily="49" charset="0"/>
+                  <a:cs typeface="Courier New" panose="02070309020205020404" pitchFamily="49" charset="0"/>
+                </a:rPr>
+                <a:t>  </a:t>
+              </a:r>
+              <a:r>
+                <a:rPr lang="en-US" sz="1800" dirty="0" err="1">
+                  <a:solidFill>
+                    <a:schemeClr val="tx1"/>
+                  </a:solidFill>
+                  <a:latin typeface="Courier New" panose="02070309020205020404" pitchFamily="49" charset="0"/>
+                  <a:cs typeface="Courier New" panose="02070309020205020404" pitchFamily="49" charset="0"/>
+                </a:rPr>
+                <a:t>app.run_server</a:t>
+              </a:r>
+              <a:r>
+                <a:rPr lang="en-US" sz="1800" dirty="0">
+                  <a:solidFill>
+                    <a:schemeClr val="tx1"/>
+                  </a:solidFill>
+                  <a:latin typeface="Courier New" panose="02070309020205020404" pitchFamily="49" charset="0"/>
+                  <a:cs typeface="Courier New" panose="02070309020205020404" pitchFamily="49" charset="0"/>
+                </a:rPr>
+                <a:t>()</a:t>
+              </a:r>
+            </a:p>
+          </p:txBody>
+        </p:sp>
+      </p:grpSp>
       <p:sp>
         <p:nvSpPr>
-          <p:cNvPr id="20" name="TextBox 19">
+          <p:cNvPr id="37" name="TextBox 36">
             <a:extLst>
               <a:ext uri="{FF2B5EF4-FFF2-40B4-BE49-F238E27FC236}">
-                <a16:creationId xmlns:a16="http://schemas.microsoft.com/office/drawing/2014/main" id="{8193D03F-A08F-3747-8A2D-91204568AB0B}"/>
+                <a16:creationId xmlns:a16="http://schemas.microsoft.com/office/drawing/2014/main" id="{D9739227-5CF1-884A-A091-880427ECE4DA}"/>
               </a:ext>
             </a:extLst>
           </p:cNvPr>
@@ -14993,8 +15169,8 @@
         </p:nvSpPr>
         <p:spPr>
           <a:xfrm>
-            <a:off x="3810000" y="1371600"/>
-            <a:ext cx="3777339" cy="2031325"/>
+            <a:off x="533400" y="914400"/>
+            <a:ext cx="6268063" cy="461665"/>
           </a:xfrm>
           <a:prstGeom prst="rect">
             <a:avLst/>
@@ -15002,142 +15178,222 @@
           <a:noFill/>
         </p:spPr>
         <p:txBody>
-          <a:bodyPr wrap="square" rtlCol="0">
+          <a:bodyPr wrap="none" rtlCol="0">
             <a:spAutoFit/>
           </a:bodyPr>
           <a:lstStyle/>
           <a:p>
             <a:r>
-              <a:rPr lang="en-US" sz="1800" dirty="0">
+              <a:rPr lang="en-US" dirty="0" err="1">
                 <a:solidFill>
                   <a:schemeClr val="tx1"/>
                 </a:solidFill>
                 <a:latin typeface="Courier New" panose="02070309020205020404" pitchFamily="49" charset="0"/>
                 <a:cs typeface="Courier New" panose="02070309020205020404" pitchFamily="49" charset="0"/>
               </a:rPr>
-              <a:t>import dash</a:t>
-            </a:r>
-          </a:p>
-          <a:p>
-            <a:r>
-              <a:rPr lang="en-US" sz="1800" dirty="0">
+              <a:t>conda</a:t>
+            </a:r>
+            <a:r>
+              <a:rPr lang="en-US" dirty="0">
                 <a:solidFill>
                   <a:schemeClr val="tx1"/>
                 </a:solidFill>
                 <a:latin typeface="Courier New" panose="02070309020205020404" pitchFamily="49" charset="0"/>
                 <a:cs typeface="Courier New" panose="02070309020205020404" pitchFamily="49" charset="0"/>
               </a:rPr>
-              <a:t>...</a:t>
-            </a:r>
-          </a:p>
-          <a:p>
-            <a:r>
-              <a:rPr lang="en-US" sz="1800" dirty="0">
+              <a:t> install -c </a:t>
+            </a:r>
+            <a:r>
+              <a:rPr lang="en-US" dirty="0" err="1">
                 <a:solidFill>
                   <a:schemeClr val="tx1"/>
                 </a:solidFill>
                 <a:latin typeface="Courier New" panose="02070309020205020404" pitchFamily="49" charset="0"/>
                 <a:cs typeface="Courier New" panose="02070309020205020404" pitchFamily="49" charset="0"/>
               </a:rPr>
-              <a:t>app = </a:t>
-            </a:r>
-            <a:r>
-              <a:rPr lang="en-US" sz="1800" dirty="0" err="1">
+              <a:t>conda</a:t>
+            </a:r>
+            <a:r>
+              <a:rPr lang="en-US" dirty="0">
                 <a:solidFill>
                   <a:schemeClr val="tx1"/>
                 </a:solidFill>
                 <a:latin typeface="Courier New" panose="02070309020205020404" pitchFamily="49" charset="0"/>
                 <a:cs typeface="Courier New" panose="02070309020205020404" pitchFamily="49" charset="0"/>
               </a:rPr>
-              <a:t>dash.Dash</a:t>
-            </a:r>
-            <a:r>
-              <a:rPr lang="en-US" sz="1800" dirty="0">
+              <a:t>-forge dash</a:t>
+            </a:r>
+          </a:p>
+        </p:txBody>
+      </p:sp>
+      <p:pic>
+        <p:nvPicPr>
+          <p:cNvPr id="3" name="Picture 2">
+            <a:extLst>
+              <a:ext uri="{FF2B5EF4-FFF2-40B4-BE49-F238E27FC236}">
+                <a16:creationId xmlns:a16="http://schemas.microsoft.com/office/drawing/2014/main" id="{2C5C1817-5385-494E-AD07-F3C5E135152C}"/>
+              </a:ext>
+            </a:extLst>
+          </p:cNvPr>
+          <p:cNvPicPr>
+            <a:picLocks noChangeAspect="1"/>
+          </p:cNvPicPr>
+          <p:nvPr/>
+        </p:nvPicPr>
+        <p:blipFill>
+          <a:blip r:embed="rId3"/>
+          <a:stretch>
+            <a:fillRect/>
+          </a:stretch>
+        </p:blipFill>
+        <p:spPr>
+          <a:xfrm>
+            <a:off x="5460285" y="5646633"/>
+            <a:ext cx="559515" cy="559515"/>
+          </a:xfrm>
+          <a:prstGeom prst="rect">
+            <a:avLst/>
+          </a:prstGeom>
+        </p:spPr>
+      </p:pic>
+      <p:cxnSp>
+        <p:nvCxnSpPr>
+          <p:cNvPr id="10" name="Elbow Connector 9">
+            <a:extLst>
+              <a:ext uri="{FF2B5EF4-FFF2-40B4-BE49-F238E27FC236}">
+                <a16:creationId xmlns:a16="http://schemas.microsoft.com/office/drawing/2014/main" id="{E18BB3CA-27D7-3F44-B2F6-A546B224AB5E}"/>
+              </a:ext>
+            </a:extLst>
+          </p:cNvPr>
+          <p:cNvCxnSpPr>
+            <a:cxnSpLocks/>
+            <a:stCxn id="3" idx="3"/>
+          </p:cNvCxnSpPr>
+          <p:nvPr/>
+        </p:nvCxnSpPr>
+        <p:spPr bwMode="auto">
+          <a:xfrm flipV="1">
+            <a:off x="6019800" y="5346089"/>
+            <a:ext cx="152400" cy="580302"/>
+          </a:xfrm>
+          <a:prstGeom prst="bentConnector2">
+            <a:avLst/>
+          </a:prstGeom>
+          <a:solidFill>
+            <a:srgbClr val="00B8FF"/>
+          </a:solidFill>
+          <a:ln w="9525" cap="flat" cmpd="sng" algn="ctr">
+            <a:solidFill>
+              <a:schemeClr val="tx1"/>
+            </a:solidFill>
+            <a:prstDash val="solid"/>
+            <a:round/>
+            <a:headEnd type="none" w="med" len="med"/>
+            <a:tailEnd type="triangle"/>
+          </a:ln>
+          <a:effectLst/>
+          <a:extLst>
+            <a:ext uri="{AF507438-7753-43e0-B8FC-AC1667EBCBE1}">
+              <a14:hiddenEffects xmlns="" xmlns:a14="http://schemas.microsoft.com/office/drawing/2010/main">
+                <a:effectLst>
+                  <a:outerShdw blurRad="63500" dist="38099" dir="2700000" algn="ctr" rotWithShape="0">
+                    <a:schemeClr val="bg2">
+                      <a:alpha val="74998"/>
+                    </a:schemeClr>
+                  </a:outerShdw>
+                </a:effectLst>
+              </a14:hiddenEffects>
+            </a:ext>
+          </a:extLst>
+        </p:spPr>
+      </p:cxnSp>
+      <p:cxnSp>
+        <p:nvCxnSpPr>
+          <p:cNvPr id="18" name="Elbow Connector 17">
+            <a:extLst>
+              <a:ext uri="{FF2B5EF4-FFF2-40B4-BE49-F238E27FC236}">
+                <a16:creationId xmlns:a16="http://schemas.microsoft.com/office/drawing/2014/main" id="{FE375F0B-FB4C-A440-B84E-3DAB83CEB633}"/>
+              </a:ext>
+            </a:extLst>
+          </p:cNvPr>
+          <p:cNvCxnSpPr>
+            <a:cxnSpLocks/>
+          </p:cNvCxnSpPr>
+          <p:nvPr/>
+        </p:nvCxnSpPr>
+        <p:spPr bwMode="auto">
+          <a:xfrm>
+            <a:off x="5181600" y="5287961"/>
+            <a:ext cx="419100" cy="358672"/>
+          </a:xfrm>
+          <a:prstGeom prst="bentConnector3">
+            <a:avLst>
+              <a:gd name="adj1" fmla="val 50000"/>
+            </a:avLst>
+          </a:prstGeom>
+          <a:solidFill>
+            <a:srgbClr val="00B8FF"/>
+          </a:solidFill>
+          <a:ln w="9525" cap="flat" cmpd="sng" algn="ctr">
+            <a:solidFill>
+              <a:schemeClr val="tx1"/>
+            </a:solidFill>
+            <a:prstDash val="solid"/>
+            <a:round/>
+            <a:headEnd type="none" w="med" len="med"/>
+            <a:tailEnd type="triangle"/>
+          </a:ln>
+          <a:effectLst/>
+          <a:extLst>
+            <a:ext uri="{AF507438-7753-43e0-B8FC-AC1667EBCBE1}">
+              <a14:hiddenEffects xmlns="" xmlns:a14="http://schemas.microsoft.com/office/drawing/2010/main">
+                <a:effectLst>
+                  <a:outerShdw blurRad="63500" dist="38099" dir="2700000" algn="ctr" rotWithShape="0">
+                    <a:schemeClr val="bg2">
+                      <a:alpha val="74998"/>
+                    </a:schemeClr>
+                  </a:outerShdw>
+                </a:effectLst>
+              </a14:hiddenEffects>
+            </a:ext>
+          </a:extLst>
+        </p:spPr>
+      </p:cxnSp>
+      <p:sp>
+        <p:nvSpPr>
+          <p:cNvPr id="25" name="TextBox 24">
+            <a:extLst>
+              <a:ext uri="{FF2B5EF4-FFF2-40B4-BE49-F238E27FC236}">
+                <a16:creationId xmlns:a16="http://schemas.microsoft.com/office/drawing/2014/main" id="{8E52CD7B-EF03-9845-9D3F-2B39BBA372F1}"/>
+              </a:ext>
+            </a:extLst>
+          </p:cNvPr>
+          <p:cNvSpPr txBox="1"/>
+          <p:nvPr/>
+        </p:nvSpPr>
+        <p:spPr>
+          <a:xfrm>
+            <a:off x="563450" y="5481935"/>
+            <a:ext cx="1468672" cy="461665"/>
+          </a:xfrm>
+          <a:prstGeom prst="rect">
+            <a:avLst/>
+          </a:prstGeom>
+          <a:noFill/>
+        </p:spPr>
+        <p:txBody>
+          <a:bodyPr wrap="none" rtlCol="0">
+            <a:spAutoFit/>
+          </a:bodyPr>
+          <a:lstStyle/>
+          <a:p>
+            <a:r>
+              <a:rPr lang="en-US" dirty="0">
                 <a:solidFill>
                   <a:schemeClr val="tx1"/>
                 </a:solidFill>
-                <a:latin typeface="Courier New" panose="02070309020205020404" pitchFamily="49" charset="0"/>
-                <a:cs typeface="Courier New" panose="02070309020205020404" pitchFamily="49" charset="0"/>
               </a:rPr>
-              <a:t>(__name__)</a:t>
-            </a:r>
-          </a:p>
-          <a:p>
-            <a:r>
-              <a:rPr lang="en-US" sz="1800" dirty="0" err="1">
-                <a:solidFill>
-                  <a:schemeClr val="tx1"/>
-                </a:solidFill>
-                <a:latin typeface="Courier New" panose="02070309020205020404" pitchFamily="49" charset="0"/>
-                <a:cs typeface="Courier New" panose="02070309020205020404" pitchFamily="49" charset="0"/>
-              </a:rPr>
-              <a:t>app.layout</a:t>
-            </a:r>
-            <a:r>
-              <a:rPr lang="en-US" sz="1800" dirty="0">
-                <a:solidFill>
-                  <a:schemeClr val="tx1"/>
-                </a:solidFill>
-                <a:latin typeface="Courier New" panose="02070309020205020404" pitchFamily="49" charset="0"/>
-                <a:cs typeface="Courier New" panose="02070309020205020404" pitchFamily="49" charset="0"/>
-              </a:rPr>
-              <a:t>=[…]</a:t>
-            </a:r>
-          </a:p>
-          <a:p>
-            <a:r>
-              <a:rPr lang="en-US" sz="1800" dirty="0">
-                <a:solidFill>
-                  <a:schemeClr val="tx1"/>
-                </a:solidFill>
-                <a:latin typeface="Courier New" panose="02070309020205020404" pitchFamily="49" charset="0"/>
-                <a:cs typeface="Courier New" panose="02070309020205020404" pitchFamily="49" charset="0"/>
-              </a:rPr>
-              <a:t>...</a:t>
-            </a:r>
-          </a:p>
-          <a:p>
-            <a:r>
-              <a:rPr lang="en-US" sz="1800" dirty="0">
-                <a:solidFill>
-                  <a:schemeClr val="tx1"/>
-                </a:solidFill>
-                <a:latin typeface="Courier New" panose="02070309020205020404" pitchFamily="49" charset="0"/>
-                <a:cs typeface="Courier New" panose="02070309020205020404" pitchFamily="49" charset="0"/>
-              </a:rPr>
-              <a:t>if __name__ == '__main__’:</a:t>
-            </a:r>
-          </a:p>
-          <a:p>
-            <a:r>
-              <a:rPr lang="en-US" sz="1800" dirty="0">
-                <a:solidFill>
-                  <a:schemeClr val="tx1"/>
-                </a:solidFill>
-                <a:latin typeface="Courier New" panose="02070309020205020404" pitchFamily="49" charset="0"/>
-                <a:cs typeface="Courier New" panose="02070309020205020404" pitchFamily="49" charset="0"/>
-              </a:rPr>
-              <a:t>  </a:t>
-            </a:r>
-            <a:r>
-              <a:rPr lang="en-US" sz="1800" dirty="0" err="1">
-                <a:solidFill>
-                  <a:schemeClr val="tx1"/>
-                </a:solidFill>
-                <a:latin typeface="Courier New" panose="02070309020205020404" pitchFamily="49" charset="0"/>
-                <a:cs typeface="Courier New" panose="02070309020205020404" pitchFamily="49" charset="0"/>
-              </a:rPr>
-              <a:t>app.run_server</a:t>
-            </a:r>
-            <a:r>
-              <a:rPr lang="en-US" sz="1800" dirty="0">
-                <a:solidFill>
-                  <a:schemeClr val="tx1"/>
-                </a:solidFill>
-                <a:latin typeface="Courier New" panose="02070309020205020404" pitchFamily="49" charset="0"/>
-                <a:cs typeface="Courier New" panose="02070309020205020404" pitchFamily="49" charset="0"/>
-              </a:rPr>
-              <a:t>()</a:t>
+              <a:t>End User</a:t>
             </a:r>
           </a:p>
         </p:txBody>
@@ -15152,10 +15408,1308 @@
   <p:clrMapOvr>
     <a:masterClrMapping/>
   </p:clrMapOvr>
+  <p:timing>
+    <p:tnLst>
+      <p:par>
+        <p:cTn id="1" dur="indefinite" restart="never" nodeType="tmRoot">
+          <p:childTnLst>
+            <p:seq concurrent="1" nextAc="seek">
+              <p:cTn id="2" dur="indefinite" nodeType="mainSeq">
+                <p:childTnLst>
+                  <p:par>
+                    <p:cTn id="3" fill="hold">
+                      <p:stCondLst>
+                        <p:cond delay="indefinite"/>
+                      </p:stCondLst>
+                      <p:childTnLst>
+                        <p:par>
+                          <p:cTn id="4" fill="hold">
+                            <p:stCondLst>
+                              <p:cond delay="0"/>
+                            </p:stCondLst>
+                            <p:childTnLst>
+                              <p:par>
+                                <p:cTn id="5" presetID="1" presetClass="entr" presetSubtype="0" fill="hold" nodeType="clickEffect">
+                                  <p:stCondLst>
+                                    <p:cond delay="0"/>
+                                  </p:stCondLst>
+                                  <p:childTnLst>
+                                    <p:set>
+                                      <p:cBhvr>
+                                        <p:cTn id="6" dur="1" fill="hold">
+                                          <p:stCondLst>
+                                            <p:cond delay="0"/>
+                                          </p:stCondLst>
+                                        </p:cTn>
+                                        <p:tgtEl>
+                                          <p:spTgt spid="9"/>
+                                        </p:tgtEl>
+                                        <p:attrNameLst>
+                                          <p:attrName>style.visibility</p:attrName>
+                                        </p:attrNameLst>
+                                      </p:cBhvr>
+                                      <p:to>
+                                        <p:strVal val="visible"/>
+                                      </p:to>
+                                    </p:set>
+                                  </p:childTnLst>
+                                </p:cTn>
+                              </p:par>
+                              <p:par>
+                                <p:cTn id="7" presetID="1" presetClass="entr" presetSubtype="0" fill="hold" nodeType="withEffect">
+                                  <p:stCondLst>
+                                    <p:cond delay="0"/>
+                                  </p:stCondLst>
+                                  <p:childTnLst>
+                                    <p:set>
+                                      <p:cBhvr>
+                                        <p:cTn id="8" dur="1" fill="hold">
+                                          <p:stCondLst>
+                                            <p:cond delay="0"/>
+                                          </p:stCondLst>
+                                        </p:cTn>
+                                        <p:tgtEl>
+                                          <p:spTgt spid="11"/>
+                                        </p:tgtEl>
+                                        <p:attrNameLst>
+                                          <p:attrName>style.visibility</p:attrName>
+                                        </p:attrNameLst>
+                                      </p:cBhvr>
+                                      <p:to>
+                                        <p:strVal val="visible"/>
+                                      </p:to>
+                                    </p:set>
+                                  </p:childTnLst>
+                                </p:cTn>
+                              </p:par>
+                              <p:par>
+                                <p:cTn id="9" presetID="1" presetClass="entr" presetSubtype="0" fill="hold" grpId="0" nodeType="withEffect">
+                                  <p:stCondLst>
+                                    <p:cond delay="0"/>
+                                  </p:stCondLst>
+                                  <p:childTnLst>
+                                    <p:set>
+                                      <p:cBhvr>
+                                        <p:cTn id="10" dur="1" fill="hold">
+                                          <p:stCondLst>
+                                            <p:cond delay="0"/>
+                                          </p:stCondLst>
+                                        </p:cTn>
+                                        <p:tgtEl>
+                                          <p:spTgt spid="14"/>
+                                        </p:tgtEl>
+                                        <p:attrNameLst>
+                                          <p:attrName>style.visibility</p:attrName>
+                                        </p:attrNameLst>
+                                      </p:cBhvr>
+                                      <p:to>
+                                        <p:strVal val="visible"/>
+                                      </p:to>
+                                    </p:set>
+                                  </p:childTnLst>
+                                </p:cTn>
+                              </p:par>
+                              <p:par>
+                                <p:cTn id="11" presetID="1" presetClass="entr" presetSubtype="0" fill="hold" nodeType="withEffect">
+                                  <p:stCondLst>
+                                    <p:cond delay="0"/>
+                                  </p:stCondLst>
+                                  <p:childTnLst>
+                                    <p:set>
+                                      <p:cBhvr>
+                                        <p:cTn id="12" dur="1" fill="hold">
+                                          <p:stCondLst>
+                                            <p:cond delay="0"/>
+                                          </p:stCondLst>
+                                        </p:cTn>
+                                        <p:tgtEl>
+                                          <p:spTgt spid="33"/>
+                                        </p:tgtEl>
+                                        <p:attrNameLst>
+                                          <p:attrName>style.visibility</p:attrName>
+                                        </p:attrNameLst>
+                                      </p:cBhvr>
+                                      <p:to>
+                                        <p:strVal val="visible"/>
+                                      </p:to>
+                                    </p:set>
+                                  </p:childTnLst>
+                                </p:cTn>
+                              </p:par>
+                              <p:par>
+                                <p:cTn id="13" presetID="1" presetClass="entr" presetSubtype="0" fill="hold" grpId="0" nodeType="withEffect">
+                                  <p:stCondLst>
+                                    <p:cond delay="0"/>
+                                  </p:stCondLst>
+                                  <p:childTnLst>
+                                    <p:set>
+                                      <p:cBhvr>
+                                        <p:cTn id="14" dur="1" fill="hold">
+                                          <p:stCondLst>
+                                            <p:cond delay="0"/>
+                                          </p:stCondLst>
+                                        </p:cTn>
+                                        <p:tgtEl>
+                                          <p:spTgt spid="19"/>
+                                        </p:tgtEl>
+                                        <p:attrNameLst>
+                                          <p:attrName>style.visibility</p:attrName>
+                                        </p:attrNameLst>
+                                      </p:cBhvr>
+                                      <p:to>
+                                        <p:strVal val="visible"/>
+                                      </p:to>
+                                    </p:set>
+                                  </p:childTnLst>
+                                </p:cTn>
+                              </p:par>
+                              <p:par>
+                                <p:cTn id="15" presetID="1" presetClass="entr" presetSubtype="0" fill="hold" nodeType="withEffect">
+                                  <p:stCondLst>
+                                    <p:cond delay="0"/>
+                                  </p:stCondLst>
+                                  <p:childTnLst>
+                                    <p:set>
+                                      <p:cBhvr>
+                                        <p:cTn id="16" dur="1" fill="hold">
+                                          <p:stCondLst>
+                                            <p:cond delay="0"/>
+                                          </p:stCondLst>
+                                        </p:cTn>
+                                        <p:tgtEl>
+                                          <p:spTgt spid="36"/>
+                                        </p:tgtEl>
+                                        <p:attrNameLst>
+                                          <p:attrName>style.visibility</p:attrName>
+                                        </p:attrNameLst>
+                                      </p:cBhvr>
+                                      <p:to>
+                                        <p:strVal val="visible"/>
+                                      </p:to>
+                                    </p:set>
+                                  </p:childTnLst>
+                                </p:cTn>
+                              </p:par>
+                              <p:par>
+                                <p:cTn id="17" presetID="1" presetClass="entr" presetSubtype="0" fill="hold" nodeType="withEffect">
+                                  <p:stCondLst>
+                                    <p:cond delay="0"/>
+                                  </p:stCondLst>
+                                  <p:childTnLst>
+                                    <p:set>
+                                      <p:cBhvr>
+                                        <p:cTn id="18" dur="1" fill="hold">
+                                          <p:stCondLst>
+                                            <p:cond delay="0"/>
+                                          </p:stCondLst>
+                                        </p:cTn>
+                                        <p:tgtEl>
+                                          <p:spTgt spid="18"/>
+                                        </p:tgtEl>
+                                        <p:attrNameLst>
+                                          <p:attrName>style.visibility</p:attrName>
+                                        </p:attrNameLst>
+                                      </p:cBhvr>
+                                      <p:to>
+                                        <p:strVal val="visible"/>
+                                      </p:to>
+                                    </p:set>
+                                  </p:childTnLst>
+                                </p:cTn>
+                              </p:par>
+                              <p:par>
+                                <p:cTn id="19" presetID="1" presetClass="entr" presetSubtype="0" fill="hold" nodeType="withEffect">
+                                  <p:stCondLst>
+                                    <p:cond delay="0"/>
+                                  </p:stCondLst>
+                                  <p:childTnLst>
+                                    <p:set>
+                                      <p:cBhvr>
+                                        <p:cTn id="20" dur="1" fill="hold">
+                                          <p:stCondLst>
+                                            <p:cond delay="0"/>
+                                          </p:stCondLst>
+                                        </p:cTn>
+                                        <p:tgtEl>
+                                          <p:spTgt spid="3"/>
+                                        </p:tgtEl>
+                                        <p:attrNameLst>
+                                          <p:attrName>style.visibility</p:attrName>
+                                        </p:attrNameLst>
+                                      </p:cBhvr>
+                                      <p:to>
+                                        <p:strVal val="visible"/>
+                                      </p:to>
+                                    </p:set>
+                                  </p:childTnLst>
+                                </p:cTn>
+                              </p:par>
+                              <p:par>
+                                <p:cTn id="21" presetID="1" presetClass="entr" presetSubtype="0" fill="hold" nodeType="withEffect">
+                                  <p:stCondLst>
+                                    <p:cond delay="0"/>
+                                  </p:stCondLst>
+                                  <p:childTnLst>
+                                    <p:set>
+                                      <p:cBhvr>
+                                        <p:cTn id="22" dur="1" fill="hold">
+                                          <p:stCondLst>
+                                            <p:cond delay="0"/>
+                                          </p:stCondLst>
+                                        </p:cTn>
+                                        <p:tgtEl>
+                                          <p:spTgt spid="10"/>
+                                        </p:tgtEl>
+                                        <p:attrNameLst>
+                                          <p:attrName>style.visibility</p:attrName>
+                                        </p:attrNameLst>
+                                      </p:cBhvr>
+                                      <p:to>
+                                        <p:strVal val="visible"/>
+                                      </p:to>
+                                    </p:set>
+                                  </p:childTnLst>
+                                </p:cTn>
+                              </p:par>
+                              <p:par>
+                                <p:cTn id="23" presetID="1" presetClass="entr" presetSubtype="0" fill="hold" grpId="0" nodeType="withEffect">
+                                  <p:stCondLst>
+                                    <p:cond delay="0"/>
+                                  </p:stCondLst>
+                                  <p:childTnLst>
+                                    <p:set>
+                                      <p:cBhvr>
+                                        <p:cTn id="24" dur="1" fill="hold">
+                                          <p:stCondLst>
+                                            <p:cond delay="0"/>
+                                          </p:stCondLst>
+                                        </p:cTn>
+                                        <p:tgtEl>
+                                          <p:spTgt spid="25"/>
+                                        </p:tgtEl>
+                                        <p:attrNameLst>
+                                          <p:attrName>style.visibility</p:attrName>
+                                        </p:attrNameLst>
+                                      </p:cBhvr>
+                                      <p:to>
+                                        <p:strVal val="visible"/>
+                                      </p:to>
+                                    </p:set>
+                                  </p:childTnLst>
+                                </p:cTn>
+                              </p:par>
+                              <p:par>
+                                <p:cTn id="25" presetID="1" presetClass="entr" presetSubtype="0" fill="hold" grpId="1" nodeType="withEffect">
+                                  <p:stCondLst>
+                                    <p:cond delay="0"/>
+                                  </p:stCondLst>
+                                  <p:childTnLst>
+                                    <p:set>
+                                      <p:cBhvr>
+                                        <p:cTn id="26" dur="1" fill="hold">
+                                          <p:stCondLst>
+                                            <p:cond delay="0"/>
+                                          </p:stCondLst>
+                                        </p:cTn>
+                                        <p:tgtEl>
+                                          <p:spTgt spid="25"/>
+                                        </p:tgtEl>
+                                        <p:attrNameLst>
+                                          <p:attrName>style.visibility</p:attrName>
+                                        </p:attrNameLst>
+                                      </p:cBhvr>
+                                      <p:to>
+                                        <p:strVal val="visible"/>
+                                      </p:to>
+                                    </p:set>
+                                  </p:childTnLst>
+                                </p:cTn>
+                              </p:par>
+                            </p:childTnLst>
+                          </p:cTn>
+                        </p:par>
+                      </p:childTnLst>
+                    </p:cTn>
+                  </p:par>
+                </p:childTnLst>
+              </p:cTn>
+              <p:prevCondLst>
+                <p:cond evt="onPrev" delay="0">
+                  <p:tgtEl>
+                    <p:sldTgt/>
+                  </p:tgtEl>
+                </p:cond>
+              </p:prevCondLst>
+              <p:nextCondLst>
+                <p:cond evt="onNext" delay="0">
+                  <p:tgtEl>
+                    <p:sldTgt/>
+                  </p:tgtEl>
+                </p:cond>
+              </p:nextCondLst>
+            </p:seq>
+          </p:childTnLst>
+        </p:cTn>
+      </p:par>
+    </p:tnLst>
+    <p:bldLst>
+      <p:bldP spid="14" grpId="0"/>
+      <p:bldP spid="19" grpId="0"/>
+      <p:bldP spid="25" grpId="0"/>
+      <p:bldP spid="25" grpId="1"/>
+    </p:bldLst>
+  </p:timing>
 </p:sld>
 </file>
 
 <file path=ppt/slides/slide7.xml><?xml version="1.0" encoding="utf-8"?>
+<p:sld xmlns:a="http://schemas.openxmlformats.org/drawingml/2006/main" xmlns:r="http://schemas.openxmlformats.org/officeDocument/2006/relationships" xmlns:p="http://schemas.openxmlformats.org/presentationml/2006/main">
+  <p:cSld>
+    <p:spTree>
+      <p:nvGrpSpPr>
+        <p:cNvPr id="1" name=""/>
+        <p:cNvGrpSpPr/>
+        <p:nvPr/>
+      </p:nvGrpSpPr>
+      <p:grpSpPr>
+        <a:xfrm>
+          <a:off x="0" y="0"/>
+          <a:ext cx="0" cy="0"/>
+          <a:chOff x="0" y="0"/>
+          <a:chExt cx="0" cy="0"/>
+        </a:xfrm>
+      </p:grpSpPr>
+      <p:sp>
+        <p:nvSpPr>
+          <p:cNvPr id="2" name="Title 1">
+            <a:extLst>
+              <a:ext uri="{FF2B5EF4-FFF2-40B4-BE49-F238E27FC236}">
+                <a16:creationId xmlns:a16="http://schemas.microsoft.com/office/drawing/2014/main" id="{2A1CE25E-43D0-A34A-9B7D-040C96BAD3AE}"/>
+              </a:ext>
+            </a:extLst>
+          </p:cNvPr>
+          <p:cNvSpPr>
+            <a:spLocks noGrp="1"/>
+          </p:cNvSpPr>
+          <p:nvPr>
+            <p:ph type="title"/>
+          </p:nvPr>
+        </p:nvSpPr>
+        <p:spPr/>
+        <p:txBody>
+          <a:bodyPr/>
+          <a:lstStyle/>
+          <a:p>
+            <a:r>
+              <a:rPr lang="en-US" dirty="0"/>
+              <a:t>Essence of Dash Visualization API</a:t>
+            </a:r>
+          </a:p>
+        </p:txBody>
+      </p:sp>
+      <p:sp>
+        <p:nvSpPr>
+          <p:cNvPr id="5" name="Content Placeholder 4">
+            <a:extLst>
+              <a:ext uri="{FF2B5EF4-FFF2-40B4-BE49-F238E27FC236}">
+                <a16:creationId xmlns:a16="http://schemas.microsoft.com/office/drawing/2014/main" id="{8279F146-D2F4-2443-ABD7-831677AE3FA8}"/>
+              </a:ext>
+            </a:extLst>
+          </p:cNvPr>
+          <p:cNvSpPr>
+            <a:spLocks noGrp="1"/>
+          </p:cNvSpPr>
+          <p:nvPr>
+            <p:ph idx="1"/>
+          </p:nvPr>
+        </p:nvSpPr>
+        <p:spPr>
+          <a:xfrm>
+            <a:off x="304800" y="855662"/>
+            <a:ext cx="8610600" cy="5773738"/>
+          </a:xfrm>
+          <a:solidFill>
+            <a:schemeClr val="bg1"/>
+          </a:solidFill>
+        </p:spPr>
+        <p:txBody>
+          <a:bodyPr/>
+          <a:lstStyle/>
+          <a:p>
+            <a:pPr marL="457200" indent="-457200">
+              <a:buFont typeface="Arial" panose="020B0604020202020204" pitchFamily="34" charset="0"/>
+              <a:buChar char="•"/>
+            </a:pPr>
+            <a:r>
+              <a:rPr lang="en-US" sz="2800" dirty="0"/>
+              <a:t>A visualization is a </a:t>
+            </a:r>
+            <a:r>
+              <a:rPr lang="en-US" sz="2800" i="1" dirty="0"/>
+              <a:t>grid</a:t>
+            </a:r>
+            <a:r>
+              <a:rPr lang="en-US" sz="2800" dirty="0"/>
+              <a:t> of </a:t>
+            </a:r>
+            <a:r>
+              <a:rPr lang="en-US" sz="2800" i="1" dirty="0"/>
+              <a:t>components.</a:t>
+            </a:r>
+          </a:p>
+          <a:p>
+            <a:pPr marL="857250" lvl="1" indent="-457200">
+              <a:buFont typeface="Arial" panose="020B0604020202020204" pitchFamily="34" charset="0"/>
+              <a:buChar char="•"/>
+            </a:pPr>
+            <a:r>
+              <a:rPr lang="en-US" sz="2400" dirty="0"/>
+              <a:t>A grid (</a:t>
+            </a:r>
+            <a:r>
+              <a:rPr lang="en-US" sz="2400" dirty="0" err="1">
+                <a:latin typeface="Courier New" panose="02070309020205020404" pitchFamily="49" charset="0"/>
+                <a:cs typeface="Courier New" panose="02070309020205020404" pitchFamily="49" charset="0"/>
+              </a:rPr>
+              <a:t>html.Div</a:t>
+            </a:r>
+            <a:r>
+              <a:rPr lang="en-US" sz="2400" dirty="0"/>
+              <a:t>) specifies the position of components in terms of rows and columns. </a:t>
+            </a:r>
+          </a:p>
+          <a:p>
+            <a:pPr marL="857250" lvl="1" indent="-457200">
+              <a:buFont typeface="Arial" panose="020B0604020202020204" pitchFamily="34" charset="0"/>
+              <a:buChar char="•"/>
+            </a:pPr>
+            <a:r>
+              <a:rPr lang="en-US" sz="2400" dirty="0"/>
+              <a:t>The number of rows is calculated by dividing the number of components (a list) in the grid by the user-specified columns.</a:t>
+            </a:r>
+          </a:p>
+          <a:p>
+            <a:pPr marL="457200" indent="-457200">
+              <a:buFont typeface="Arial" panose="020B0604020202020204" pitchFamily="34" charset="0"/>
+              <a:buChar char="•"/>
+            </a:pPr>
+            <a:r>
+              <a:rPr lang="en-US" sz="2800" dirty="0"/>
+              <a:t>A component is an object whose visual characteristics are controlled by its properties. A grid is a component.</a:t>
+            </a:r>
+          </a:p>
+          <a:p>
+            <a:pPr marL="457200" indent="-457200">
+              <a:buFont typeface="Arial" panose="020B0604020202020204" pitchFamily="34" charset="0"/>
+              <a:buChar char="•"/>
+            </a:pPr>
+            <a:r>
+              <a:rPr lang="en-US" sz="2800" dirty="0"/>
+              <a:t>Python codes respond to user interactions with components via callbacks that specify:</a:t>
+            </a:r>
+          </a:p>
+          <a:p>
+            <a:pPr marL="857250" lvl="1" indent="-457200">
+              <a:buFont typeface="Arial" panose="020B0604020202020204" pitchFamily="34" charset="0"/>
+              <a:buChar char="•"/>
+            </a:pPr>
+            <a:r>
+              <a:rPr lang="en-US" sz="2400" dirty="0"/>
+              <a:t>Inputs from one or more component properties that can be modified through user interactions.</a:t>
+            </a:r>
+          </a:p>
+          <a:p>
+            <a:pPr marL="857250" lvl="1" indent="-457200">
+              <a:buFont typeface="Arial" panose="020B0604020202020204" pitchFamily="34" charset="0"/>
+              <a:buChar char="•"/>
+            </a:pPr>
+            <a:r>
+              <a:rPr lang="en-US" sz="2400" dirty="0"/>
+              <a:t>Output that updates at most one component property</a:t>
+            </a:r>
+          </a:p>
+          <a:p>
+            <a:pPr marL="857250" lvl="1" indent="-457200">
+              <a:buFont typeface="Arial" panose="020B0604020202020204" pitchFamily="34" charset="0"/>
+              <a:buChar char="•"/>
+            </a:pPr>
+            <a:endParaRPr lang="en-US" sz="2400" dirty="0"/>
+          </a:p>
+        </p:txBody>
+      </p:sp>
+      <p:sp>
+        <p:nvSpPr>
+          <p:cNvPr id="3" name="Footer Placeholder 2">
+            <a:extLst>
+              <a:ext uri="{FF2B5EF4-FFF2-40B4-BE49-F238E27FC236}">
+                <a16:creationId xmlns:a16="http://schemas.microsoft.com/office/drawing/2014/main" id="{271801A2-394B-ED40-AA72-EAD732FFC616}"/>
+              </a:ext>
+            </a:extLst>
+          </p:cNvPr>
+          <p:cNvSpPr>
+            <a:spLocks noGrp="1"/>
+          </p:cNvSpPr>
+          <p:nvPr>
+            <p:ph type="ftr" idx="10"/>
+          </p:nvPr>
+        </p:nvSpPr>
+        <p:spPr/>
+        <p:txBody>
+          <a:bodyPr/>
+          <a:lstStyle/>
+          <a:p>
+            <a:pPr>
+              <a:defRPr/>
+            </a:pPr>
+            <a:r>
+              <a:rPr lang="en-US"/>
+              <a:t>Hellerstein, Herman, Gao 2019</a:t>
+            </a:r>
+          </a:p>
+        </p:txBody>
+      </p:sp>
+      <p:sp>
+        <p:nvSpPr>
+          <p:cNvPr id="4" name="Slide Number Placeholder 3">
+            <a:extLst>
+              <a:ext uri="{FF2B5EF4-FFF2-40B4-BE49-F238E27FC236}">
+                <a16:creationId xmlns:a16="http://schemas.microsoft.com/office/drawing/2014/main" id="{D4A2FFDB-399D-0443-B9A5-169270D9853D}"/>
+              </a:ext>
+            </a:extLst>
+          </p:cNvPr>
+          <p:cNvSpPr>
+            <a:spLocks noGrp="1"/>
+          </p:cNvSpPr>
+          <p:nvPr>
+            <p:ph type="sldNum" idx="11"/>
+          </p:nvPr>
+        </p:nvSpPr>
+        <p:spPr/>
+        <p:txBody>
+          <a:bodyPr/>
+          <a:lstStyle/>
+          <a:p>
+            <a:pPr>
+              <a:defRPr/>
+            </a:pPr>
+            <a:fld id="{FE654572-8C1D-F141-995C-CCE926B2FBD9}" type="slidenum">
+              <a:rPr lang="en-US" altLang="x-none" smtClean="0"/>
+              <a:pPr>
+                <a:defRPr/>
+              </a:pPr>
+              <a:t>7</a:t>
+            </a:fld>
+            <a:endParaRPr lang="en-US" altLang="x-none"/>
+          </a:p>
+        </p:txBody>
+      </p:sp>
+      <p:pic>
+        <p:nvPicPr>
+          <p:cNvPr id="6" name="Picture 5" descr="A screenshot of a cell phone&#10;&#10;Description automatically generated">
+            <a:extLst>
+              <a:ext uri="{FF2B5EF4-FFF2-40B4-BE49-F238E27FC236}">
+                <a16:creationId xmlns:a16="http://schemas.microsoft.com/office/drawing/2014/main" id="{517ACD90-E47F-CB45-A45D-95B7AE57839A}"/>
+              </a:ext>
+            </a:extLst>
+          </p:cNvPr>
+          <p:cNvPicPr>
+            <a:picLocks noChangeAspect="1"/>
+          </p:cNvPicPr>
+          <p:nvPr/>
+        </p:nvPicPr>
+        <p:blipFill>
+          <a:blip r:embed="rId2"/>
+          <a:stretch>
+            <a:fillRect/>
+          </a:stretch>
+        </p:blipFill>
+        <p:spPr>
+          <a:xfrm>
+            <a:off x="8088569" y="419973"/>
+            <a:ext cx="688943" cy="410066"/>
+          </a:xfrm>
+          <a:prstGeom prst="rect">
+            <a:avLst/>
+          </a:prstGeom>
+        </p:spPr>
+      </p:pic>
+    </p:spTree>
+    <p:extLst>
+      <p:ext uri="{BB962C8B-B14F-4D97-AF65-F5344CB8AC3E}">
+        <p14:creationId xmlns:p14="http://schemas.microsoft.com/office/powerpoint/2010/main" val="1734058803"/>
+      </p:ext>
+    </p:extLst>
+  </p:cSld>
+  <p:clrMapOvr>
+    <a:masterClrMapping/>
+  </p:clrMapOvr>
+  <p:timing>
+    <p:tnLst>
+      <p:par>
+        <p:cTn id="1" dur="indefinite" restart="never" nodeType="tmRoot">
+          <p:childTnLst>
+            <p:seq concurrent="1" nextAc="seek">
+              <p:cTn id="2" dur="indefinite" nodeType="mainSeq">
+                <p:childTnLst>
+                  <p:par>
+                    <p:cTn id="3" fill="hold">
+                      <p:stCondLst>
+                        <p:cond delay="indefinite"/>
+                      </p:stCondLst>
+                      <p:childTnLst>
+                        <p:par>
+                          <p:cTn id="4" fill="hold">
+                            <p:stCondLst>
+                              <p:cond delay="0"/>
+                            </p:stCondLst>
+                            <p:childTnLst>
+                              <p:par>
+                                <p:cTn id="5" presetID="1" presetClass="entr" presetSubtype="0" fill="hold" nodeType="clickEffect">
+                                  <p:stCondLst>
+                                    <p:cond delay="0"/>
+                                  </p:stCondLst>
+                                  <p:childTnLst>
+                                    <p:set>
+                                      <p:cBhvr>
+                                        <p:cTn id="6" dur="1" fill="hold">
+                                          <p:stCondLst>
+                                            <p:cond delay="0"/>
+                                          </p:stCondLst>
+                                        </p:cTn>
+                                        <p:tgtEl>
+                                          <p:spTgt spid="5">
+                                            <p:txEl>
+                                              <p:pRg st="0" end="0"/>
+                                            </p:txEl>
+                                          </p:spTgt>
+                                        </p:tgtEl>
+                                        <p:attrNameLst>
+                                          <p:attrName>style.visibility</p:attrName>
+                                        </p:attrNameLst>
+                                      </p:cBhvr>
+                                      <p:to>
+                                        <p:strVal val="visible"/>
+                                      </p:to>
+                                    </p:set>
+                                  </p:childTnLst>
+                                </p:cTn>
+                              </p:par>
+                              <p:par>
+                                <p:cTn id="7" presetID="1" presetClass="entr" presetSubtype="0" fill="hold" nodeType="withEffect">
+                                  <p:stCondLst>
+                                    <p:cond delay="0"/>
+                                  </p:stCondLst>
+                                  <p:childTnLst>
+                                    <p:set>
+                                      <p:cBhvr>
+                                        <p:cTn id="8" dur="1" fill="hold">
+                                          <p:stCondLst>
+                                            <p:cond delay="0"/>
+                                          </p:stCondLst>
+                                        </p:cTn>
+                                        <p:tgtEl>
+                                          <p:spTgt spid="5">
+                                            <p:txEl>
+                                              <p:pRg st="1" end="1"/>
+                                            </p:txEl>
+                                          </p:spTgt>
+                                        </p:tgtEl>
+                                        <p:attrNameLst>
+                                          <p:attrName>style.visibility</p:attrName>
+                                        </p:attrNameLst>
+                                      </p:cBhvr>
+                                      <p:to>
+                                        <p:strVal val="visible"/>
+                                      </p:to>
+                                    </p:set>
+                                  </p:childTnLst>
+                                </p:cTn>
+                              </p:par>
+                              <p:par>
+                                <p:cTn id="9" presetID="1" presetClass="entr" presetSubtype="0" fill="hold" nodeType="withEffect">
+                                  <p:stCondLst>
+                                    <p:cond delay="0"/>
+                                  </p:stCondLst>
+                                  <p:childTnLst>
+                                    <p:set>
+                                      <p:cBhvr>
+                                        <p:cTn id="10" dur="1" fill="hold">
+                                          <p:stCondLst>
+                                            <p:cond delay="0"/>
+                                          </p:stCondLst>
+                                        </p:cTn>
+                                        <p:tgtEl>
+                                          <p:spTgt spid="5">
+                                            <p:txEl>
+                                              <p:pRg st="2" end="2"/>
+                                            </p:txEl>
+                                          </p:spTgt>
+                                        </p:tgtEl>
+                                        <p:attrNameLst>
+                                          <p:attrName>style.visibility</p:attrName>
+                                        </p:attrNameLst>
+                                      </p:cBhvr>
+                                      <p:to>
+                                        <p:strVal val="visible"/>
+                                      </p:to>
+                                    </p:set>
+                                  </p:childTnLst>
+                                </p:cTn>
+                              </p:par>
+                            </p:childTnLst>
+                          </p:cTn>
+                        </p:par>
+                      </p:childTnLst>
+                    </p:cTn>
+                  </p:par>
+                  <p:par>
+                    <p:cTn id="11" fill="hold">
+                      <p:stCondLst>
+                        <p:cond delay="indefinite"/>
+                      </p:stCondLst>
+                      <p:childTnLst>
+                        <p:par>
+                          <p:cTn id="12" fill="hold">
+                            <p:stCondLst>
+                              <p:cond delay="0"/>
+                            </p:stCondLst>
+                            <p:childTnLst>
+                              <p:par>
+                                <p:cTn id="13" presetID="1" presetClass="entr" presetSubtype="0" fill="hold" nodeType="clickEffect">
+                                  <p:stCondLst>
+                                    <p:cond delay="0"/>
+                                  </p:stCondLst>
+                                  <p:childTnLst>
+                                    <p:set>
+                                      <p:cBhvr>
+                                        <p:cTn id="14" dur="1" fill="hold">
+                                          <p:stCondLst>
+                                            <p:cond delay="0"/>
+                                          </p:stCondLst>
+                                        </p:cTn>
+                                        <p:tgtEl>
+                                          <p:spTgt spid="5">
+                                            <p:txEl>
+                                              <p:pRg st="3" end="3"/>
+                                            </p:txEl>
+                                          </p:spTgt>
+                                        </p:tgtEl>
+                                        <p:attrNameLst>
+                                          <p:attrName>style.visibility</p:attrName>
+                                        </p:attrNameLst>
+                                      </p:cBhvr>
+                                      <p:to>
+                                        <p:strVal val="visible"/>
+                                      </p:to>
+                                    </p:set>
+                                  </p:childTnLst>
+                                </p:cTn>
+                              </p:par>
+                            </p:childTnLst>
+                          </p:cTn>
+                        </p:par>
+                      </p:childTnLst>
+                    </p:cTn>
+                  </p:par>
+                  <p:par>
+                    <p:cTn id="15" fill="hold">
+                      <p:stCondLst>
+                        <p:cond delay="indefinite"/>
+                      </p:stCondLst>
+                      <p:childTnLst>
+                        <p:par>
+                          <p:cTn id="16" fill="hold">
+                            <p:stCondLst>
+                              <p:cond delay="0"/>
+                            </p:stCondLst>
+                            <p:childTnLst>
+                              <p:par>
+                                <p:cTn id="17" presetID="1" presetClass="entr" presetSubtype="0" fill="hold" nodeType="clickEffect">
+                                  <p:stCondLst>
+                                    <p:cond delay="0"/>
+                                  </p:stCondLst>
+                                  <p:childTnLst>
+                                    <p:set>
+                                      <p:cBhvr>
+                                        <p:cTn id="18" dur="1" fill="hold">
+                                          <p:stCondLst>
+                                            <p:cond delay="0"/>
+                                          </p:stCondLst>
+                                        </p:cTn>
+                                        <p:tgtEl>
+                                          <p:spTgt spid="5">
+                                            <p:txEl>
+                                              <p:pRg st="4" end="4"/>
+                                            </p:txEl>
+                                          </p:spTgt>
+                                        </p:tgtEl>
+                                        <p:attrNameLst>
+                                          <p:attrName>style.visibility</p:attrName>
+                                        </p:attrNameLst>
+                                      </p:cBhvr>
+                                      <p:to>
+                                        <p:strVal val="visible"/>
+                                      </p:to>
+                                    </p:set>
+                                  </p:childTnLst>
+                                </p:cTn>
+                              </p:par>
+                              <p:par>
+                                <p:cTn id="19" presetID="1" presetClass="entr" presetSubtype="0" fill="hold" nodeType="withEffect">
+                                  <p:stCondLst>
+                                    <p:cond delay="0"/>
+                                  </p:stCondLst>
+                                  <p:childTnLst>
+                                    <p:set>
+                                      <p:cBhvr>
+                                        <p:cTn id="20" dur="1" fill="hold">
+                                          <p:stCondLst>
+                                            <p:cond delay="0"/>
+                                          </p:stCondLst>
+                                        </p:cTn>
+                                        <p:tgtEl>
+                                          <p:spTgt spid="5">
+                                            <p:txEl>
+                                              <p:pRg st="5" end="5"/>
+                                            </p:txEl>
+                                          </p:spTgt>
+                                        </p:tgtEl>
+                                        <p:attrNameLst>
+                                          <p:attrName>style.visibility</p:attrName>
+                                        </p:attrNameLst>
+                                      </p:cBhvr>
+                                      <p:to>
+                                        <p:strVal val="visible"/>
+                                      </p:to>
+                                    </p:set>
+                                  </p:childTnLst>
+                                </p:cTn>
+                              </p:par>
+                              <p:par>
+                                <p:cTn id="21" presetID="1" presetClass="entr" presetSubtype="0" fill="hold" nodeType="withEffect">
+                                  <p:stCondLst>
+                                    <p:cond delay="0"/>
+                                  </p:stCondLst>
+                                  <p:childTnLst>
+                                    <p:set>
+                                      <p:cBhvr>
+                                        <p:cTn id="22" dur="1" fill="hold">
+                                          <p:stCondLst>
+                                            <p:cond delay="0"/>
+                                          </p:stCondLst>
+                                        </p:cTn>
+                                        <p:tgtEl>
+                                          <p:spTgt spid="5">
+                                            <p:txEl>
+                                              <p:pRg st="6" end="6"/>
+                                            </p:txEl>
+                                          </p:spTgt>
+                                        </p:tgtEl>
+                                        <p:attrNameLst>
+                                          <p:attrName>style.visibility</p:attrName>
+                                        </p:attrNameLst>
+                                      </p:cBhvr>
+                                      <p:to>
+                                        <p:strVal val="visible"/>
+                                      </p:to>
+                                    </p:set>
+                                  </p:childTnLst>
+                                </p:cTn>
+                              </p:par>
+                            </p:childTnLst>
+                          </p:cTn>
+                        </p:par>
+                      </p:childTnLst>
+                    </p:cTn>
+                  </p:par>
+                </p:childTnLst>
+              </p:cTn>
+              <p:prevCondLst>
+                <p:cond evt="onPrev" delay="0">
+                  <p:tgtEl>
+                    <p:sldTgt/>
+                  </p:tgtEl>
+                </p:cond>
+              </p:prevCondLst>
+              <p:nextCondLst>
+                <p:cond evt="onNext" delay="0">
+                  <p:tgtEl>
+                    <p:sldTgt/>
+                  </p:tgtEl>
+                </p:cond>
+              </p:nextCondLst>
+            </p:seq>
+          </p:childTnLst>
+        </p:cTn>
+      </p:par>
+    </p:tnLst>
+  </p:timing>
+</p:sld>
+</file>
+
+<file path=ppt/slides/slide8.xml><?xml version="1.0" encoding="utf-8"?>
+<p:sld xmlns:a="http://schemas.openxmlformats.org/drawingml/2006/main" xmlns:r="http://schemas.openxmlformats.org/officeDocument/2006/relationships" xmlns:p="http://schemas.openxmlformats.org/presentationml/2006/main">
+  <p:cSld>
+    <p:spTree>
+      <p:nvGrpSpPr>
+        <p:cNvPr id="1" name=""/>
+        <p:cNvGrpSpPr/>
+        <p:nvPr/>
+      </p:nvGrpSpPr>
+      <p:grpSpPr>
+        <a:xfrm>
+          <a:off x="0" y="0"/>
+          <a:ext cx="0" cy="0"/>
+          <a:chOff x="0" y="0"/>
+          <a:chExt cx="0" cy="0"/>
+        </a:xfrm>
+      </p:grpSpPr>
+      <p:sp>
+        <p:nvSpPr>
+          <p:cNvPr id="2" name="Title 1">
+            <a:extLst>
+              <a:ext uri="{FF2B5EF4-FFF2-40B4-BE49-F238E27FC236}">
+                <a16:creationId xmlns:a16="http://schemas.microsoft.com/office/drawing/2014/main" id="{7D8259FD-EABD-204C-A592-EEE608A303AB}"/>
+              </a:ext>
+            </a:extLst>
+          </p:cNvPr>
+          <p:cNvSpPr>
+            <a:spLocks noGrp="1"/>
+          </p:cNvSpPr>
+          <p:nvPr>
+            <p:ph type="title"/>
+          </p:nvPr>
+        </p:nvSpPr>
+        <p:spPr/>
+        <p:txBody>
+          <a:bodyPr/>
+          <a:lstStyle/>
+          <a:p>
+            <a:r>
+              <a:rPr lang="en-US" dirty="0"/>
+              <a:t>Callbacks – Referencing Visual Objections</a:t>
+            </a:r>
+          </a:p>
+        </p:txBody>
+      </p:sp>
+      <p:sp>
+        <p:nvSpPr>
+          <p:cNvPr id="3" name="Footer Placeholder 2">
+            <a:extLst>
+              <a:ext uri="{FF2B5EF4-FFF2-40B4-BE49-F238E27FC236}">
+                <a16:creationId xmlns:a16="http://schemas.microsoft.com/office/drawing/2014/main" id="{19179CC1-2E4B-BE46-8E99-679009418A1B}"/>
+              </a:ext>
+            </a:extLst>
+          </p:cNvPr>
+          <p:cNvSpPr>
+            <a:spLocks noGrp="1"/>
+          </p:cNvSpPr>
+          <p:nvPr>
+            <p:ph type="ftr" idx="10"/>
+          </p:nvPr>
+        </p:nvSpPr>
+        <p:spPr/>
+        <p:txBody>
+          <a:bodyPr/>
+          <a:lstStyle/>
+          <a:p>
+            <a:pPr>
+              <a:defRPr/>
+            </a:pPr>
+            <a:r>
+              <a:rPr lang="en-US"/>
+              <a:t>Hellerstein, Herman, Gao 2019</a:t>
+            </a:r>
+          </a:p>
+        </p:txBody>
+      </p:sp>
+      <p:sp>
+        <p:nvSpPr>
+          <p:cNvPr id="4" name="Slide Number Placeholder 3">
+            <a:extLst>
+              <a:ext uri="{FF2B5EF4-FFF2-40B4-BE49-F238E27FC236}">
+                <a16:creationId xmlns:a16="http://schemas.microsoft.com/office/drawing/2014/main" id="{8739FE37-2869-2D4E-9A85-1701C89E2599}"/>
+              </a:ext>
+            </a:extLst>
+          </p:cNvPr>
+          <p:cNvSpPr>
+            <a:spLocks noGrp="1"/>
+          </p:cNvSpPr>
+          <p:nvPr>
+            <p:ph type="sldNum" idx="11"/>
+          </p:nvPr>
+        </p:nvSpPr>
+        <p:spPr/>
+        <p:txBody>
+          <a:bodyPr/>
+          <a:lstStyle/>
+          <a:p>
+            <a:pPr>
+              <a:defRPr/>
+            </a:pPr>
+            <a:fld id="{FE654572-8C1D-F141-995C-CCE926B2FBD9}" type="slidenum">
+              <a:rPr lang="en-US" altLang="x-none" smtClean="0"/>
+              <a:pPr>
+                <a:defRPr/>
+              </a:pPr>
+              <a:t>8</a:t>
+            </a:fld>
+            <a:endParaRPr lang="en-US" altLang="x-none"/>
+          </a:p>
+        </p:txBody>
+      </p:sp>
+      <p:pic>
+        <p:nvPicPr>
+          <p:cNvPr id="6" name="Picture 5" descr="A screenshot of a cell phone&#10;&#10;Description automatically generated">
+            <a:extLst>
+              <a:ext uri="{FF2B5EF4-FFF2-40B4-BE49-F238E27FC236}">
+                <a16:creationId xmlns:a16="http://schemas.microsoft.com/office/drawing/2014/main" id="{4CA6B1C5-1F66-1646-92ED-F3A0D565174C}"/>
+              </a:ext>
+            </a:extLst>
+          </p:cNvPr>
+          <p:cNvPicPr>
+            <a:picLocks noChangeAspect="1"/>
+          </p:cNvPicPr>
+          <p:nvPr/>
+        </p:nvPicPr>
+        <p:blipFill>
+          <a:blip r:embed="rId2"/>
+          <a:stretch>
+            <a:fillRect/>
+          </a:stretch>
+        </p:blipFill>
+        <p:spPr>
+          <a:xfrm>
+            <a:off x="609600" y="1008856"/>
+            <a:ext cx="6845300" cy="2832100"/>
+          </a:xfrm>
+          <a:prstGeom prst="rect">
+            <a:avLst/>
+          </a:prstGeom>
+        </p:spPr>
+      </p:pic>
+      <p:pic>
+        <p:nvPicPr>
+          <p:cNvPr id="8" name="Picture 7" descr="A close up of a screen&#10;&#10;Description automatically generated">
+            <a:extLst>
+              <a:ext uri="{FF2B5EF4-FFF2-40B4-BE49-F238E27FC236}">
+                <a16:creationId xmlns:a16="http://schemas.microsoft.com/office/drawing/2014/main" id="{7DFD46B5-553C-D249-8B85-60BBE87B5B86}"/>
+              </a:ext>
+            </a:extLst>
+          </p:cNvPr>
+          <p:cNvPicPr>
+            <a:picLocks noChangeAspect="1"/>
+          </p:cNvPicPr>
+          <p:nvPr/>
+        </p:nvPicPr>
+        <p:blipFill>
+          <a:blip r:embed="rId3"/>
+          <a:stretch>
+            <a:fillRect/>
+          </a:stretch>
+        </p:blipFill>
+        <p:spPr>
+          <a:xfrm>
+            <a:off x="609600" y="5029200"/>
+            <a:ext cx="7785100" cy="546100"/>
+          </a:xfrm>
+          <a:prstGeom prst="rect">
+            <a:avLst/>
+          </a:prstGeom>
+        </p:spPr>
+      </p:pic>
+      <p:sp>
+        <p:nvSpPr>
+          <p:cNvPr id="9" name="TextBox 8">
+            <a:extLst>
+              <a:ext uri="{FF2B5EF4-FFF2-40B4-BE49-F238E27FC236}">
+                <a16:creationId xmlns:a16="http://schemas.microsoft.com/office/drawing/2014/main" id="{4F16E17C-A98C-F247-8810-0C1BDDBC6F56}"/>
+              </a:ext>
+            </a:extLst>
+          </p:cNvPr>
+          <p:cNvSpPr txBox="1"/>
+          <p:nvPr/>
+        </p:nvSpPr>
+        <p:spPr>
+          <a:xfrm>
+            <a:off x="6356684" y="4267200"/>
+            <a:ext cx="425116" cy="461665"/>
+          </a:xfrm>
+          <a:prstGeom prst="rect">
+            <a:avLst/>
+          </a:prstGeom>
+          <a:noFill/>
+        </p:spPr>
+        <p:txBody>
+          <a:bodyPr wrap="none" rtlCol="0">
+            <a:spAutoFit/>
+          </a:bodyPr>
+          <a:lstStyle/>
+          <a:p>
+            <a:r>
+              <a:rPr lang="en-US" dirty="0">
+                <a:solidFill>
+                  <a:schemeClr val="tx1"/>
+                </a:solidFill>
+              </a:rPr>
+              <a:t>id</a:t>
+            </a:r>
+          </a:p>
+        </p:txBody>
+      </p:sp>
+      <p:sp>
+        <p:nvSpPr>
+          <p:cNvPr id="10" name="TextBox 9">
+            <a:extLst>
+              <a:ext uri="{FF2B5EF4-FFF2-40B4-BE49-F238E27FC236}">
+                <a16:creationId xmlns:a16="http://schemas.microsoft.com/office/drawing/2014/main" id="{B5CDB95C-5C02-9D4D-A132-400235C8B958}"/>
+              </a:ext>
+            </a:extLst>
+          </p:cNvPr>
+          <p:cNvSpPr txBox="1"/>
+          <p:nvPr/>
+        </p:nvSpPr>
+        <p:spPr>
+          <a:xfrm>
+            <a:off x="7162800" y="4262735"/>
+            <a:ext cx="1314784" cy="461665"/>
+          </a:xfrm>
+          <a:prstGeom prst="rect">
+            <a:avLst/>
+          </a:prstGeom>
+          <a:noFill/>
+        </p:spPr>
+        <p:txBody>
+          <a:bodyPr wrap="none" rtlCol="0">
+            <a:spAutoFit/>
+          </a:bodyPr>
+          <a:lstStyle/>
+          <a:p>
+            <a:r>
+              <a:rPr lang="en-US" dirty="0">
+                <a:solidFill>
+                  <a:schemeClr val="tx1"/>
+                </a:solidFill>
+              </a:rPr>
+              <a:t>property</a:t>
+            </a:r>
+          </a:p>
+        </p:txBody>
+      </p:sp>
+      <p:cxnSp>
+        <p:nvCxnSpPr>
+          <p:cNvPr id="12" name="Straight Arrow Connector 11">
+            <a:extLst>
+              <a:ext uri="{FF2B5EF4-FFF2-40B4-BE49-F238E27FC236}">
+                <a16:creationId xmlns:a16="http://schemas.microsoft.com/office/drawing/2014/main" id="{8B191F14-6864-BB4D-9C73-8F7D1B56EBC7}"/>
+              </a:ext>
+            </a:extLst>
+          </p:cNvPr>
+          <p:cNvCxnSpPr>
+            <a:cxnSpLocks noChangeAspect="1"/>
+          </p:cNvCxnSpPr>
+          <p:nvPr/>
+        </p:nvCxnSpPr>
+        <p:spPr bwMode="auto">
+          <a:xfrm flipH="1">
+            <a:off x="6543674" y="4670019"/>
+            <a:ext cx="1" cy="282981"/>
+          </a:xfrm>
+          <a:prstGeom prst="straightConnector1">
+            <a:avLst/>
+          </a:prstGeom>
+          <a:solidFill>
+            <a:srgbClr val="00B8FF"/>
+          </a:solidFill>
+          <a:ln w="9525" cap="flat" cmpd="sng" algn="ctr">
+            <a:solidFill>
+              <a:schemeClr val="tx1"/>
+            </a:solidFill>
+            <a:prstDash val="solid"/>
+            <a:round/>
+            <a:headEnd type="none" w="med" len="med"/>
+            <a:tailEnd type="triangle"/>
+          </a:ln>
+          <a:effectLst/>
+          <a:extLst>
+            <a:ext uri="{AF507438-7753-43e0-B8FC-AC1667EBCBE1}">
+              <a14:hiddenEffects xmlns="" xmlns:a14="http://schemas.microsoft.com/office/drawing/2010/main">
+                <a:effectLst>
+                  <a:outerShdw blurRad="63500" dist="38099" dir="2700000" algn="ctr" rotWithShape="0">
+                    <a:schemeClr val="bg2">
+                      <a:alpha val="74998"/>
+                    </a:schemeClr>
+                  </a:outerShdw>
+                </a:effectLst>
+              </a14:hiddenEffects>
+            </a:ext>
+          </a:extLst>
+        </p:spPr>
+      </p:cxnSp>
+      <p:cxnSp>
+        <p:nvCxnSpPr>
+          <p:cNvPr id="13" name="Straight Arrow Connector 12">
+            <a:extLst>
+              <a:ext uri="{FF2B5EF4-FFF2-40B4-BE49-F238E27FC236}">
+                <a16:creationId xmlns:a16="http://schemas.microsoft.com/office/drawing/2014/main" id="{86F5A5C6-6EA5-E041-9B65-C857F4BEBC8C}"/>
+              </a:ext>
+            </a:extLst>
+          </p:cNvPr>
+          <p:cNvCxnSpPr>
+            <a:cxnSpLocks noChangeAspect="1"/>
+          </p:cNvCxnSpPr>
+          <p:nvPr/>
+        </p:nvCxnSpPr>
+        <p:spPr bwMode="auto">
+          <a:xfrm flipH="1">
+            <a:off x="7696199" y="4670019"/>
+            <a:ext cx="1" cy="282981"/>
+          </a:xfrm>
+          <a:prstGeom prst="straightConnector1">
+            <a:avLst/>
+          </a:prstGeom>
+          <a:solidFill>
+            <a:srgbClr val="00B8FF"/>
+          </a:solidFill>
+          <a:ln w="9525" cap="flat" cmpd="sng" algn="ctr">
+            <a:solidFill>
+              <a:schemeClr val="tx1"/>
+            </a:solidFill>
+            <a:prstDash val="solid"/>
+            <a:round/>
+            <a:headEnd type="none" w="med" len="med"/>
+            <a:tailEnd type="triangle"/>
+          </a:ln>
+          <a:effectLst/>
+          <a:extLst>
+            <a:ext uri="{AF507438-7753-43e0-B8FC-AC1667EBCBE1}">
+              <a14:hiddenEffects xmlns="" xmlns:a14="http://schemas.microsoft.com/office/drawing/2010/main">
+                <a:effectLst>
+                  <a:outerShdw blurRad="63500" dist="38099" dir="2700000" algn="ctr" rotWithShape="0">
+                    <a:schemeClr val="bg2">
+                      <a:alpha val="74998"/>
+                    </a:schemeClr>
+                  </a:outerShdw>
+                </a:effectLst>
+              </a14:hiddenEffects>
+            </a:ext>
+          </a:extLst>
+        </p:spPr>
+      </p:cxnSp>
+    </p:spTree>
+    <p:extLst>
+      <p:ext uri="{BB962C8B-B14F-4D97-AF65-F5344CB8AC3E}">
+        <p14:creationId xmlns:p14="http://schemas.microsoft.com/office/powerpoint/2010/main" val="3788407703"/>
+      </p:ext>
+    </p:extLst>
+  </p:cSld>
+  <p:clrMapOvr>
+    <a:masterClrMapping/>
+  </p:clrMapOvr>
+</p:sld>
+</file>
+
+<file path=ppt/slides/slide9.xml><?xml version="1.0" encoding="utf-8"?>
 <p:sld xmlns:a="http://schemas.openxmlformats.org/drawingml/2006/main" xmlns:r="http://schemas.openxmlformats.org/officeDocument/2006/relationships" xmlns:p="http://schemas.openxmlformats.org/presentationml/2006/main">
   <p:cSld>
     <p:spTree>
@@ -15410,7 +16964,7 @@
               <a:pPr>
                 <a:defRPr/>
               </a:pPr>
-              <a:t>7</a:t>
+              <a:t>9</a:t>
             </a:fld>
             <a:endParaRPr lang="en-US" altLang="x-none"/>
           </a:p>
@@ -15675,7 +17229,7 @@
         <a:effectLst/>
         <a:extLst>
           <a:ext uri="{AF507438-7753-43e0-B8FC-AC1667EBCBE1}">
-            <a14:hiddenEffects xmlns:a14="http://schemas.microsoft.com/office/drawing/2010/main" xmlns="">
+            <a14:hiddenEffects xmlns="" xmlns:a14="http://schemas.microsoft.com/office/drawing/2010/main">
               <a:effectLst>
                 <a:outerShdw blurRad="63500" dist="38099" dir="2700000" algn="ctr" rotWithShape="0">
                   <a:schemeClr val="bg2">
@@ -15754,7 +17308,7 @@
         <a:effectLst/>
         <a:extLst>
           <a:ext uri="{AF507438-7753-43e0-B8FC-AC1667EBCBE1}">
-            <a14:hiddenEffects xmlns:a14="http://schemas.microsoft.com/office/drawing/2010/main" xmlns="">
+            <a14:hiddenEffects xmlns="" xmlns:a14="http://schemas.microsoft.com/office/drawing/2010/main">
               <a:effectLst>
                 <a:outerShdw blurRad="63500" dist="38099" dir="2700000" algn="ctr" rotWithShape="0">
                   <a:schemeClr val="bg2">
@@ -16343,7 +17897,7 @@
         <a:effectLst/>
         <a:extLst>
           <a:ext uri="{AF507438-7753-43e0-B8FC-AC1667EBCBE1}">
-            <a14:hiddenEffects xmlns:a14="http://schemas.microsoft.com/office/drawing/2010/main" xmlns="">
+            <a14:hiddenEffects xmlns="" xmlns:a14="http://schemas.microsoft.com/office/drawing/2010/main">
               <a:effectLst>
                 <a:outerShdw blurRad="63500" dist="38099" dir="2700000" algn="ctr" rotWithShape="0">
                   <a:schemeClr val="bg2">
@@ -16422,7 +17976,7 @@
         <a:effectLst/>
         <a:extLst>
           <a:ext uri="{AF507438-7753-43e0-B8FC-AC1667EBCBE1}">
-            <a14:hiddenEffects xmlns:a14="http://schemas.microsoft.com/office/drawing/2010/main" xmlns="">
+            <a14:hiddenEffects xmlns="" xmlns:a14="http://schemas.microsoft.com/office/drawing/2010/main">
               <a:effectLst>
                 <a:outerShdw blurRad="63500" dist="38099" dir="2700000" algn="ctr" rotWithShape="0">
                   <a:schemeClr val="bg2">

--- a/DASH_visualizations/DASH Visualizations.pptx
+++ b/DASH_visualizations/DASH Visualizations.pptx
@@ -15825,7 +15825,7 @@
         </p:nvSpPr>
         <p:spPr>
           <a:xfrm>
-            <a:off x="304800" y="855662"/>
+            <a:off x="304800" y="1160462"/>
             <a:ext cx="8610600" cy="5773738"/>
           </a:xfrm>
           <a:solidFill>
@@ -15876,16 +15876,6 @@
             <a:r>
               <a:rPr lang="en-US" sz="2400" dirty="0"/>
               <a:t>) specifies the position of components in terms of rows and columns. </a:t>
-            </a:r>
-          </a:p>
-          <a:p>
-            <a:pPr marL="857250" lvl="1" indent="-457200">
-              <a:buFont typeface="Arial" panose="020B0604020202020204" pitchFamily="34" charset="0"/>
-              <a:buChar char="•"/>
-            </a:pPr>
-            <a:r>
-              <a:rPr lang="en-US" sz="2400" dirty="0"/>
-              <a:t>The number of rows is calculated by dividing the number of components (a list) in the grid by the user-specified columns.</a:t>
             </a:r>
           </a:p>
           <a:p>
@@ -16125,15 +16115,33 @@
                                   </p:childTnLst>
                                 </p:cTn>
                               </p:par>
+                            </p:childTnLst>
+                          </p:cTn>
+                        </p:par>
+                      </p:childTnLst>
+                    </p:cTn>
+                  </p:par>
+                  <p:par>
+                    <p:cTn id="9" fill="hold">
+                      <p:stCondLst>
+                        <p:cond delay="indefinite"/>
+                      </p:stCondLst>
+                      <p:childTnLst>
+                        <p:par>
+                          <p:cTn id="10" fill="hold">
+                            <p:stCondLst>
+                              <p:cond delay="0"/>
+                            </p:stCondLst>
+                            <p:childTnLst>
                               <p:par>
-                                <p:cTn id="9" presetID="1" presetClass="entr" presetSubtype="0" fill="hold" nodeType="withEffect">
+                                <p:cTn id="11" presetID="1" presetClass="entr" presetSubtype="0" fill="hold" nodeType="clickEffect">
                                   <p:stCondLst>
                                     <p:cond delay="0"/>
                                   </p:stCondLst>
                                   <p:childTnLst>
                                     <p:set>
                                       <p:cBhvr>
-                                        <p:cTn id="10" dur="1" fill="hold">
+                                        <p:cTn id="12" dur="1" fill="hold">
                                           <p:stCondLst>
                                             <p:cond delay="0"/>
                                           </p:stCondLst>
@@ -16163,26 +16171,26 @@
                     </p:cTn>
                   </p:par>
                   <p:par>
-                    <p:cTn id="11" fill="hold">
+                    <p:cTn id="13" fill="hold">
                       <p:stCondLst>
                         <p:cond delay="indefinite"/>
                       </p:stCondLst>
                       <p:childTnLst>
                         <p:par>
-                          <p:cTn id="12" fill="hold">
+                          <p:cTn id="14" fill="hold">
                             <p:stCondLst>
                               <p:cond delay="0"/>
                             </p:stCondLst>
                             <p:childTnLst>
                               <p:par>
-                                <p:cTn id="13" presetID="1" presetClass="entr" presetSubtype="0" fill="hold" nodeType="clickEffect">
+                                <p:cTn id="15" presetID="1" presetClass="entr" presetSubtype="0" fill="hold" nodeType="clickEffect">
                                   <p:stCondLst>
                                     <p:cond delay="0"/>
                                   </p:stCondLst>
                                   <p:childTnLst>
                                     <p:set>
                                       <p:cBhvr>
-                                        <p:cTn id="14" dur="1" fill="hold">
+                                        <p:cTn id="16" dur="1" fill="hold">
                                           <p:stCondLst>
                                             <p:cond delay="0"/>
                                           </p:stCondLst>
@@ -16205,26 +16213,8 @@
                                   </p:childTnLst>
                                 </p:cTn>
                               </p:par>
-                            </p:childTnLst>
-                          </p:cTn>
-                        </p:par>
-                      </p:childTnLst>
-                    </p:cTn>
-                  </p:par>
-                  <p:par>
-                    <p:cTn id="15" fill="hold">
-                      <p:stCondLst>
-                        <p:cond delay="indefinite"/>
-                      </p:stCondLst>
-                      <p:childTnLst>
-                        <p:par>
-                          <p:cTn id="16" fill="hold">
-                            <p:stCondLst>
-                              <p:cond delay="0"/>
-                            </p:stCondLst>
-                            <p:childTnLst>
                               <p:par>
-                                <p:cTn id="17" presetID="1" presetClass="entr" presetSubtype="0" fill="hold" nodeType="clickEffect">
+                                <p:cTn id="17" presetID="1" presetClass="entr" presetSubtype="0" fill="hold" nodeType="withEffect">
                                   <p:stCondLst>
                                     <p:cond delay="0"/>
                                   </p:stCondLst>
@@ -16271,37 +16261,6 @@
                                           <p:spTgt spid="5">
                                             <p:txEl>
                                               <p:pRg st="5" end="5"/>
-                                            </p:txEl>
-                                          </p:spTgt>
-                                        </p:tgtEl>
-                                        <p:attrNameLst>
-                                          <p:attrName>style.visibility</p:attrName>
-                                        </p:attrNameLst>
-                                      </p:cBhvr>
-                                      <p:to>
-                                        <p:strVal val="visible"/>
-                                      </p:to>
-                                    </p:set>
-                                  </p:childTnLst>
-                                </p:cTn>
-                              </p:par>
-                              <p:par>
-                                <p:cTn id="21" presetID="1" presetClass="entr" presetSubtype="0" fill="hold" nodeType="withEffect">
-                                  <p:stCondLst>
-                                    <p:cond delay="0"/>
-                                  </p:stCondLst>
-                                  <p:childTnLst>
-                                    <p:set>
-                                      <p:cBhvr>
-                                        <p:cTn id="22" dur="1" fill="hold">
-                                          <p:stCondLst>
-                                            <p:cond delay="0"/>
-                                          </p:stCondLst>
-                                        </p:cTn>
-                                        <p:tgtEl>
-                                          <p:spTgt spid="5">
-                                            <p:txEl>
-                                              <p:pRg st="6" end="6"/>
                                             </p:txEl>
                                           </p:spTgt>
                                         </p:tgtEl>
@@ -16387,7 +16346,7 @@
           <a:p>
             <a:r>
               <a:rPr lang="en-US" dirty="0"/>
-              <a:t>Callbacks – Referencing Visual Objections</a:t>
+              <a:t>Dash Callbacks</a:t>
             </a:r>
           </a:p>
         </p:txBody>
